--- a/TC/059 - Đêm Yên Lặng.pptx
+++ b/TC/059 - Đêm Yên Lặng.pptx
@@ -164,7 +164,7 @@
           </a:lstStyle>
           <a:p>
             <a:r>
-              <a:rPr lang="en-US" smtClean="0"/>
+              <a:rPr lang="en-US"/>
               <a:t>Click to edit Master title style</a:t>
             </a:r>
             <a:endParaRPr lang="en-US" dirty="0"/>
@@ -229,7 +229,7 @@
           </a:lstStyle>
           <a:p>
             <a:r>
-              <a:rPr lang="en-US" smtClean="0"/>
+              <a:rPr lang="en-US"/>
               <a:t>Click to edit Master subtitle style</a:t>
             </a:r>
             <a:endParaRPr lang="en-US" dirty="0"/>
@@ -260,7 +260,7 @@
                 </a:solidFill>
               </a:rPr>
               <a:pPr/>
-              <a:t>19/11/2013</a:t>
+              <a:t>12/21/19</a:t>
             </a:fld>
             <a:endParaRPr lang="en-US">
               <a:solidFill>
@@ -388,7 +388,7 @@
           </a:lstStyle>
           <a:p>
             <a:r>
-              <a:rPr lang="en-US" smtClean="0"/>
+              <a:rPr lang="en-US"/>
               <a:t>Click to edit Master title style</a:t>
             </a:r>
             <a:endParaRPr lang="en-US" dirty="0"/>
@@ -453,7 +453,7 @@
           </a:lstStyle>
           <a:p>
             <a:r>
-              <a:rPr lang="en-US" smtClean="0"/>
+              <a:rPr lang="en-US"/>
               <a:t>Click to edit Master subtitle style</a:t>
             </a:r>
             <a:endParaRPr lang="en-US" dirty="0"/>
@@ -484,7 +484,7 @@
                 </a:solidFill>
               </a:rPr>
               <a:pPr/>
-              <a:t>19/11/2013</a:t>
+              <a:t>12/21/19</a:t>
             </a:fld>
             <a:endParaRPr lang="en-US">
               <a:solidFill>
@@ -627,7 +627,7 @@
           <a:lstStyle/>
           <a:p>
             <a:r>
-              <a:rPr lang="en-US" smtClean="0"/>
+              <a:rPr lang="en-US"/>
               <a:t>Click to edit Master title style</a:t>
             </a:r>
             <a:endParaRPr lang="en-US" dirty="0"/>
@@ -661,35 +661,35 @@
           <a:p>
             <a:pPr lvl="0"/>
             <a:r>
-              <a:rPr lang="en-US" smtClean="0"/>
+              <a:rPr lang="en-US"/>
               <a:t>Click to edit Master text styles</a:t>
             </a:r>
           </a:p>
           <a:p>
             <a:pPr lvl="1"/>
             <a:r>
-              <a:rPr lang="en-US" smtClean="0"/>
+              <a:rPr lang="en-US"/>
               <a:t>Second level</a:t>
             </a:r>
           </a:p>
           <a:p>
             <a:pPr lvl="2"/>
             <a:r>
-              <a:rPr lang="en-US" smtClean="0"/>
+              <a:rPr lang="en-US"/>
               <a:t>Third level</a:t>
             </a:r>
           </a:p>
           <a:p>
             <a:pPr lvl="3"/>
             <a:r>
-              <a:rPr lang="en-US" smtClean="0"/>
+              <a:rPr lang="en-US"/>
               <a:t>Fourth level</a:t>
             </a:r>
           </a:p>
           <a:p>
             <a:pPr lvl="4"/>
             <a:r>
-              <a:rPr lang="en-US" smtClean="0"/>
+              <a:rPr lang="en-US"/>
               <a:t>Fifth level</a:t>
             </a:r>
             <a:endParaRPr lang="en-US" dirty="0"/>
@@ -738,7 +738,7 @@
                 </a:solidFill>
               </a:rPr>
               <a:pPr/>
-              <a:t>19/11/2013</a:t>
+              <a:t>12/21/19</a:t>
             </a:fld>
             <a:endParaRPr lang="en-US">
               <a:solidFill>
@@ -1198,7 +1198,7 @@
           <a:lstStyle/>
           <a:p>
             <a:r>
-              <a:rPr lang="en-US" smtClean="0"/>
+              <a:rPr lang="en-US"/>
               <a:t>Click to edit Master title style</a:t>
             </a:r>
             <a:endParaRPr lang="en-US" dirty="0"/>
@@ -1232,35 +1232,35 @@
           <a:p>
             <a:pPr lvl="0"/>
             <a:r>
-              <a:rPr lang="en-US" smtClean="0"/>
+              <a:rPr lang="en-US"/>
               <a:t>Click to edit Master text styles</a:t>
             </a:r>
           </a:p>
           <a:p>
             <a:pPr lvl="1"/>
             <a:r>
-              <a:rPr lang="en-US" smtClean="0"/>
+              <a:rPr lang="en-US"/>
               <a:t>Second level</a:t>
             </a:r>
           </a:p>
           <a:p>
             <a:pPr lvl="2"/>
             <a:r>
-              <a:rPr lang="en-US" smtClean="0"/>
+              <a:rPr lang="en-US"/>
               <a:t>Third level</a:t>
             </a:r>
           </a:p>
           <a:p>
             <a:pPr lvl="3"/>
             <a:r>
-              <a:rPr lang="en-US" smtClean="0"/>
+              <a:rPr lang="en-US"/>
               <a:t>Fourth level</a:t>
             </a:r>
           </a:p>
           <a:p>
             <a:pPr lvl="4"/>
             <a:r>
-              <a:rPr lang="en-US" smtClean="0"/>
+              <a:rPr lang="en-US"/>
               <a:t>Fifth level</a:t>
             </a:r>
             <a:endParaRPr lang="en-US" dirty="0"/>
@@ -1309,7 +1309,7 @@
                 </a:solidFill>
               </a:rPr>
               <a:pPr/>
-              <a:t>19/11/2013</a:t>
+              <a:t>12/21/19</a:t>
             </a:fld>
             <a:endParaRPr lang="en-US">
               <a:solidFill>
@@ -1753,7 +1753,7 @@
           <a:p>
             <a:pPr algn="ctr"/>
             <a:r>
-              <a:rPr lang="en-US" sz="3500" b="1">
+              <a:rPr lang="en-US" sz="3500" dirty="0">
                 <a:solidFill>
                   <a:prstClr val="black"/>
                 </a:solidFill>
@@ -1762,7 +1762,7 @@
                     <a:prstClr val="white"/>
                   </a:glow>
                 </a:effectLst>
-                <a:latin typeface="VNI-Bamas" pitchFamily="34" charset="0"/>
+                <a:latin typeface="VNI-Times Normal" pitchFamily="2" charset="0"/>
               </a:rPr>
               <a:t>TOÂN VINH CHUÙA  - THAÙNH CA 59</a:t>
             </a:r>
@@ -1777,8 +1777,8 @@
         </p:nvSpPr>
         <p:spPr>
           <a:xfrm>
-            <a:off x="1816608" y="2871216"/>
-            <a:ext cx="6943344" cy="1107996"/>
+            <a:off x="1760220" y="2871216"/>
+            <a:ext cx="6999732" cy="1107996"/>
           </a:xfrm>
           <a:prstGeom prst="rect">
             <a:avLst/>
@@ -1793,7 +1793,7 @@
           <a:p>
             <a:pPr algn="ctr"/>
             <a:r>
-              <a:rPr lang="en-US" sz="6600" smtClean="0">
+              <a:rPr lang="en-US" sz="6600" b="1" dirty="0">
                 <a:solidFill>
                   <a:srgbClr val="C00000"/>
                 </a:solidFill>
@@ -1802,7 +1802,7 @@
                     <a:prstClr val="white"/>
                   </a:glow>
                 </a:effectLst>
-                <a:latin typeface="HP-Kabel" pitchFamily="34" charset="0"/>
+                <a:latin typeface="VNI-Times" pitchFamily="2" charset="0"/>
               </a:rPr>
               <a:t>ÑEÂM YEÂN LAËNG</a:t>
             </a:r>
@@ -1831,13 +1831,6 @@
       </p:transition>
     </mc:Fallback>
   </mc:AlternateContent>
-  <p:timing>
-    <p:tnLst>
-      <p:par>
-        <p:cTn id="1" dur="indefinite" restart="never" nodeType="tmRoot"/>
-      </p:par>
-    </p:tnLst>
-  </p:timing>
 </p:sld>
 </file>
 
@@ -1896,99 +1889,337 @@
           <a:p>
             <a:pPr algn="ctr"/>
             <a:r>
-              <a:rPr lang="en-US" sz="6600" b="1" smtClean="0">
-                <a:solidFill>
-                  <a:sysClr val="windowText" lastClr="000000"/>
-                </a:solidFill>
-                <a:effectLst>
-                  <a:glow rad="127000">
-                    <a:prstClr val="white"/>
-                  </a:glow>
-                </a:effectLst>
-                <a:latin typeface="VNI-Aptima" pitchFamily="2" charset="0"/>
-              </a:rPr>
-              <a:t>Jeâsus giaùng </a:t>
+              <a:rPr lang="en-US" sz="6600" b="1" dirty="0" err="1">
+                <a:solidFill>
+                  <a:sysClr val="windowText" lastClr="000000"/>
+                </a:solidFill>
+                <a:effectLst>
+                  <a:glow rad="127000">
+                    <a:prstClr val="white"/>
+                  </a:glow>
+                </a:effectLst>
+                <a:latin typeface="VNI-Times" pitchFamily="2" charset="0"/>
+              </a:rPr>
+              <a:t>Jeâsus</a:t>
+            </a:r>
+            <a:r>
+              <a:rPr lang="en-US" sz="6600" b="1" dirty="0">
+                <a:solidFill>
+                  <a:sysClr val="windowText" lastClr="000000"/>
+                </a:solidFill>
+                <a:effectLst>
+                  <a:glow rad="127000">
+                    <a:prstClr val="white"/>
+                  </a:glow>
+                </a:effectLst>
+                <a:latin typeface="VNI-Times" pitchFamily="2" charset="0"/>
+              </a:rPr>
+              <a:t> </a:t>
+            </a:r>
+            <a:r>
+              <a:rPr lang="en-US" sz="6600" b="1" dirty="0" err="1">
+                <a:solidFill>
+                  <a:sysClr val="windowText" lastClr="000000"/>
+                </a:solidFill>
+                <a:effectLst>
+                  <a:glow rad="127000">
+                    <a:prstClr val="white"/>
+                  </a:glow>
+                </a:effectLst>
+                <a:latin typeface="VNI-Times" pitchFamily="2" charset="0"/>
+              </a:rPr>
+              <a:t>giaùng</a:t>
+            </a:r>
+            <a:r>
+              <a:rPr lang="en-US" sz="6600" b="1" dirty="0">
+                <a:solidFill>
+                  <a:sysClr val="windowText" lastClr="000000"/>
+                </a:solidFill>
+                <a:effectLst>
+                  <a:glow rad="127000">
+                    <a:prstClr val="white"/>
+                  </a:glow>
+                </a:effectLst>
+                <a:latin typeface="VNI-Times" pitchFamily="2" charset="0"/>
+              </a:rPr>
+              <a:t> </a:t>
             </a:r>
             <a:br>
-              <a:rPr lang="en-US" sz="6600" b="1" smtClean="0">
-                <a:solidFill>
-                  <a:sysClr val="windowText" lastClr="000000"/>
-                </a:solidFill>
-                <a:effectLst>
-                  <a:glow rad="127000">
-                    <a:prstClr val="white"/>
-                  </a:glow>
-                </a:effectLst>
-                <a:latin typeface="VNI-Aptima" pitchFamily="2" charset="0"/>
+              <a:rPr lang="en-US" sz="6600" b="1" dirty="0">
+                <a:solidFill>
+                  <a:sysClr val="windowText" lastClr="000000"/>
+                </a:solidFill>
+                <a:effectLst>
+                  <a:glow rad="127000">
+                    <a:prstClr val="white"/>
+                  </a:glow>
+                </a:effectLst>
+                <a:latin typeface="VNI-Times" pitchFamily="2" charset="0"/>
               </a:rPr>
             </a:br>
             <a:r>
-              <a:rPr lang="en-US" sz="6600" b="1" smtClean="0">
-                <a:solidFill>
-                  <a:sysClr val="windowText" lastClr="000000"/>
-                </a:solidFill>
-                <a:effectLst>
-                  <a:glow rad="127000">
-                    <a:prstClr val="white"/>
-                  </a:glow>
-                </a:effectLst>
-                <a:latin typeface="VNI-Aptima" pitchFamily="2" charset="0"/>
-              </a:rPr>
-              <a:t>laâm traàn theá, </a:t>
+              <a:rPr lang="en-US" sz="6600" b="1" dirty="0" err="1">
+                <a:solidFill>
+                  <a:sysClr val="windowText" lastClr="000000"/>
+                </a:solidFill>
+                <a:effectLst>
+                  <a:glow rad="127000">
+                    <a:prstClr val="white"/>
+                  </a:glow>
+                </a:effectLst>
+                <a:latin typeface="VNI-Times" pitchFamily="2" charset="0"/>
+              </a:rPr>
+              <a:t>laâm</a:t>
+            </a:r>
+            <a:r>
+              <a:rPr lang="en-US" sz="6600" b="1" dirty="0">
+                <a:solidFill>
+                  <a:sysClr val="windowText" lastClr="000000"/>
+                </a:solidFill>
+                <a:effectLst>
+                  <a:glow rad="127000">
+                    <a:prstClr val="white"/>
+                  </a:glow>
+                </a:effectLst>
+                <a:latin typeface="VNI-Times" pitchFamily="2" charset="0"/>
+              </a:rPr>
+              <a:t> </a:t>
+            </a:r>
+            <a:r>
+              <a:rPr lang="en-US" sz="6600" b="1" dirty="0" err="1">
+                <a:solidFill>
+                  <a:sysClr val="windowText" lastClr="000000"/>
+                </a:solidFill>
+                <a:effectLst>
+                  <a:glow rad="127000">
+                    <a:prstClr val="white"/>
+                  </a:glow>
+                </a:effectLst>
+                <a:latin typeface="VNI-Times" pitchFamily="2" charset="0"/>
+              </a:rPr>
+              <a:t>traàn</a:t>
+            </a:r>
+            <a:r>
+              <a:rPr lang="en-US" sz="6600" b="1" dirty="0">
+                <a:solidFill>
+                  <a:sysClr val="windowText" lastClr="000000"/>
+                </a:solidFill>
+                <a:effectLst>
+                  <a:glow rad="127000">
+                    <a:prstClr val="white"/>
+                  </a:glow>
+                </a:effectLst>
+                <a:latin typeface="VNI-Times" pitchFamily="2" charset="0"/>
+              </a:rPr>
+              <a:t> </a:t>
+            </a:r>
+            <a:r>
+              <a:rPr lang="en-US" sz="6600" b="1" dirty="0" err="1">
+                <a:solidFill>
+                  <a:sysClr val="windowText" lastClr="000000"/>
+                </a:solidFill>
+                <a:effectLst>
+                  <a:glow rad="127000">
+                    <a:prstClr val="white"/>
+                  </a:glow>
+                </a:effectLst>
+                <a:latin typeface="VNI-Times" pitchFamily="2" charset="0"/>
+              </a:rPr>
+              <a:t>theá</a:t>
+            </a:r>
+            <a:r>
+              <a:rPr lang="en-US" sz="6600" b="1" dirty="0">
+                <a:solidFill>
+                  <a:sysClr val="windowText" lastClr="000000"/>
+                </a:solidFill>
+                <a:effectLst>
+                  <a:glow rad="127000">
+                    <a:prstClr val="white"/>
+                  </a:glow>
+                </a:effectLst>
+                <a:latin typeface="VNI-Times" pitchFamily="2" charset="0"/>
+              </a:rPr>
+              <a:t>, </a:t>
             </a:r>
             <a:br>
-              <a:rPr lang="en-US" sz="6600" b="1" smtClean="0">
-                <a:solidFill>
-                  <a:sysClr val="windowText" lastClr="000000"/>
-                </a:solidFill>
-                <a:effectLst>
-                  <a:glow rad="127000">
-                    <a:prstClr val="white"/>
-                  </a:glow>
-                </a:effectLst>
-                <a:latin typeface="VNI-Aptima" pitchFamily="2" charset="0"/>
+              <a:rPr lang="en-US" sz="6600" b="1" dirty="0">
+                <a:solidFill>
+                  <a:sysClr val="windowText" lastClr="000000"/>
+                </a:solidFill>
+                <a:effectLst>
+                  <a:glow rad="127000">
+                    <a:prstClr val="white"/>
+                  </a:glow>
+                </a:effectLst>
+                <a:latin typeface="VNI-Times" pitchFamily="2" charset="0"/>
               </a:rPr>
             </a:br>
             <a:r>
-              <a:rPr lang="en-US" sz="6600" b="1" smtClean="0">
-                <a:solidFill>
-                  <a:sysClr val="windowText" lastClr="000000"/>
-                </a:solidFill>
-                <a:effectLst>
-                  <a:glow rad="127000">
-                    <a:prstClr val="white"/>
-                  </a:glow>
-                </a:effectLst>
-                <a:latin typeface="VNI-Aptima" pitchFamily="2" charset="0"/>
-              </a:rPr>
-              <a:t>an bình ñeán </a:t>
+              <a:rPr lang="en-US" sz="6600" b="1" dirty="0">
+                <a:solidFill>
+                  <a:sysClr val="windowText" lastClr="000000"/>
+                </a:solidFill>
+                <a:effectLst>
+                  <a:glow rad="127000">
+                    <a:prstClr val="white"/>
+                  </a:glow>
+                </a:effectLst>
+                <a:latin typeface="VNI-Times" pitchFamily="2" charset="0"/>
+              </a:rPr>
+              <a:t>an </a:t>
+            </a:r>
+            <a:r>
+              <a:rPr lang="en-US" sz="6600" b="1" dirty="0" err="1">
+                <a:solidFill>
+                  <a:sysClr val="windowText" lastClr="000000"/>
+                </a:solidFill>
+                <a:effectLst>
+                  <a:glow rad="127000">
+                    <a:prstClr val="white"/>
+                  </a:glow>
+                </a:effectLst>
+                <a:latin typeface="VNI-Times" pitchFamily="2" charset="0"/>
+              </a:rPr>
+              <a:t>bình</a:t>
+            </a:r>
+            <a:r>
+              <a:rPr lang="en-US" sz="6600" b="1" dirty="0">
+                <a:solidFill>
+                  <a:sysClr val="windowText" lastClr="000000"/>
+                </a:solidFill>
+                <a:effectLst>
+                  <a:glow rad="127000">
+                    <a:prstClr val="white"/>
+                  </a:glow>
+                </a:effectLst>
+                <a:latin typeface="VNI-Times" pitchFamily="2" charset="0"/>
+              </a:rPr>
+              <a:t> </a:t>
+            </a:r>
+            <a:r>
+              <a:rPr lang="en-US" sz="6600" b="1" dirty="0" err="1">
+                <a:solidFill>
+                  <a:sysClr val="windowText" lastClr="000000"/>
+                </a:solidFill>
+                <a:effectLst>
+                  <a:glow rad="127000">
+                    <a:prstClr val="white"/>
+                  </a:glow>
+                </a:effectLst>
+                <a:latin typeface="VNI-Times" pitchFamily="2" charset="0"/>
+              </a:rPr>
+              <a:t>ñeán</a:t>
+            </a:r>
+            <a:r>
+              <a:rPr lang="en-US" sz="6600" b="1" dirty="0">
+                <a:solidFill>
+                  <a:sysClr val="windowText" lastClr="000000"/>
+                </a:solidFill>
+                <a:effectLst>
+                  <a:glow rad="127000">
+                    <a:prstClr val="white"/>
+                  </a:glow>
+                </a:effectLst>
+                <a:latin typeface="VNI-Times" pitchFamily="2" charset="0"/>
+              </a:rPr>
+              <a:t> </a:t>
             </a:r>
             <a:br>
-              <a:rPr lang="en-US" sz="6600" b="1" smtClean="0">
-                <a:solidFill>
-                  <a:sysClr val="windowText" lastClr="000000"/>
-                </a:solidFill>
-                <a:effectLst>
-                  <a:glow rad="127000">
-                    <a:prstClr val="white"/>
-                  </a:glow>
-                </a:effectLst>
-                <a:latin typeface="VNI-Aptima" pitchFamily="2" charset="0"/>
+              <a:rPr lang="en-US" sz="6600" b="1" dirty="0">
+                <a:solidFill>
+                  <a:sysClr val="windowText" lastClr="000000"/>
+                </a:solidFill>
+                <a:effectLst>
+                  <a:glow rad="127000">
+                    <a:prstClr val="white"/>
+                  </a:glow>
+                </a:effectLst>
+                <a:latin typeface="VNI-Times" pitchFamily="2" charset="0"/>
               </a:rPr>
             </a:br>
             <a:r>
-              <a:rPr lang="en-US" sz="6600" b="1" smtClean="0">
-                <a:solidFill>
-                  <a:sysClr val="windowText" lastClr="000000"/>
-                </a:solidFill>
-                <a:effectLst>
-                  <a:glow rad="127000">
-                    <a:prstClr val="white"/>
-                  </a:glow>
-                </a:effectLst>
-                <a:latin typeface="VNI-Aptima" pitchFamily="2" charset="0"/>
-              </a:rPr>
-              <a:t>cho nhaân loaïi.</a:t>
+              <a:rPr lang="en-US" sz="6600" b="1" dirty="0" err="1">
+                <a:solidFill>
+                  <a:sysClr val="windowText" lastClr="000000"/>
+                </a:solidFill>
+                <a:effectLst>
+                  <a:glow rad="127000">
+                    <a:prstClr val="white"/>
+                  </a:glow>
+                </a:effectLst>
+                <a:latin typeface="VNI-Times" pitchFamily="2" charset="0"/>
+              </a:rPr>
+              <a:t>cho</a:t>
+            </a:r>
+            <a:r>
+              <a:rPr lang="en-US" sz="6600" b="1" dirty="0">
+                <a:solidFill>
+                  <a:sysClr val="windowText" lastClr="000000"/>
+                </a:solidFill>
+                <a:effectLst>
+                  <a:glow rad="127000">
+                    <a:prstClr val="white"/>
+                  </a:glow>
+                </a:effectLst>
+                <a:latin typeface="VNI-Times" pitchFamily="2" charset="0"/>
+              </a:rPr>
+              <a:t> </a:t>
+            </a:r>
+            <a:r>
+              <a:rPr lang="en-US" sz="6600" b="1" dirty="0" err="1">
+                <a:solidFill>
+                  <a:sysClr val="windowText" lastClr="000000"/>
+                </a:solidFill>
+                <a:effectLst>
+                  <a:glow rad="127000">
+                    <a:prstClr val="white"/>
+                  </a:glow>
+                </a:effectLst>
+                <a:latin typeface="VNI-Times" pitchFamily="2" charset="0"/>
+              </a:rPr>
+              <a:t>nhaân</a:t>
+            </a:r>
+            <a:r>
+              <a:rPr lang="en-US" sz="6600" b="1" dirty="0">
+                <a:solidFill>
+                  <a:sysClr val="windowText" lastClr="000000"/>
+                </a:solidFill>
+                <a:effectLst>
+                  <a:glow rad="127000">
+                    <a:prstClr val="white"/>
+                  </a:glow>
+                </a:effectLst>
+                <a:latin typeface="VNI-Times" pitchFamily="2" charset="0"/>
+              </a:rPr>
+              <a:t> </a:t>
+            </a:r>
+            <a:r>
+              <a:rPr lang="en-US" sz="6600" b="1" dirty="0" err="1">
+                <a:solidFill>
+                  <a:sysClr val="windowText" lastClr="000000"/>
+                </a:solidFill>
+                <a:effectLst>
+                  <a:glow rad="127000">
+                    <a:prstClr val="white"/>
+                  </a:glow>
+                </a:effectLst>
+                <a:latin typeface="VNI-Times" pitchFamily="2" charset="0"/>
+              </a:rPr>
+              <a:t>loaïi</a:t>
+            </a:r>
+            <a:r>
+              <a:rPr lang="en-US" sz="6600" b="1" dirty="0">
+                <a:solidFill>
+                  <a:sysClr val="windowText" lastClr="000000"/>
+                </a:solidFill>
+                <a:effectLst>
+                  <a:glow rad="127000">
+                    <a:prstClr val="white"/>
+                  </a:glow>
+                </a:effectLst>
+                <a:latin typeface="VNI-Times" pitchFamily="2" charset="0"/>
+              </a:rPr>
+              <a:t>.</a:t>
             </a:r>
           </a:p>
         </p:txBody>
@@ -2017,7 +2248,7 @@
           <a:p>
             <a:pPr algn="ctr"/>
             <a:r>
-              <a:rPr lang="en-US" sz="3400" smtClean="0">
+              <a:rPr lang="en-US" sz="3400" b="1" dirty="0">
                 <a:solidFill>
                   <a:srgbClr val="C00000"/>
                 </a:solidFill>
@@ -2026,7 +2257,7 @@
                     <a:prstClr val="white"/>
                   </a:glow>
                 </a:effectLst>
-                <a:latin typeface="HP-Kabel" pitchFamily="34" charset="0"/>
+                <a:latin typeface="VNI-Times" pitchFamily="2" charset="0"/>
               </a:rPr>
               <a:t>THAÙNH CA 59 – ÑEÂM YEÂN LAËNG</a:t>
             </a:r>
@@ -2043,21 +2274,6 @@
   <p:clrMapOvr>
     <a:overrideClrMapping bg1="lt1" tx1="dk1" bg2="lt2" tx2="dk2" accent1="accent1" accent2="accent2" accent3="accent3" accent4="accent4" accent5="accent5" accent6="accent6" hlink="hlink" folHlink="folHlink"/>
   </p:clrMapOvr>
-  <mc:AlternateContent xmlns:mc="http://schemas.openxmlformats.org/markup-compatibility/2006" xmlns:p14="http://schemas.microsoft.com/office/powerpoint/2010/main">
-    <mc:Choice Requires="p14">
-      <p:transition p14:dur="0"/>
-    </mc:Choice>
-    <mc:Fallback xmlns="">
-      <p:transition/>
-    </mc:Fallback>
-  </mc:AlternateContent>
-  <p:timing>
-    <p:tnLst>
-      <p:par>
-        <p:cTn id="1" dur="indefinite" restart="never" nodeType="tmRoot"/>
-      </p:par>
-    </p:tnLst>
-  </p:timing>
 </p:sld>
 </file>
 
@@ -2102,7 +2318,7 @@
           <a:p>
             <a:pPr algn="ctr"/>
             <a:r>
-              <a:rPr lang="en-US" sz="3400" smtClean="0">
+              <a:rPr lang="en-US" sz="3400" b="1" dirty="0">
                 <a:solidFill>
                   <a:srgbClr val="C00000"/>
                 </a:solidFill>
@@ -2111,7 +2327,7 @@
                     <a:prstClr val="white"/>
                   </a:glow>
                 </a:effectLst>
-                <a:latin typeface="HP-Kabel" pitchFamily="34" charset="0"/>
+                <a:latin typeface="VNI-Times" pitchFamily="2" charset="0"/>
               </a:rPr>
               <a:t>THAÙNH CA 59 – ÑEÂM YEÂN LAËNG</a:t>
             </a:r>
@@ -2142,129 +2358,409 @@
           <a:p>
             <a:pPr algn="ctr"/>
             <a:r>
-              <a:rPr lang="en-US" sz="4000" b="1">
-                <a:solidFill>
-                  <a:sysClr val="windowText" lastClr="000000"/>
-                </a:solidFill>
-                <a:effectLst>
-                  <a:glow rad="127000">
-                    <a:prstClr val="white"/>
-                  </a:glow>
-                </a:effectLst>
-                <a:latin typeface="VNI-Aptima" pitchFamily="2" charset="0"/>
+              <a:rPr lang="en-US" sz="4000" b="1" dirty="0">
+                <a:solidFill>
+                  <a:sysClr val="windowText" lastClr="000000"/>
+                </a:solidFill>
+                <a:effectLst>
+                  <a:glow rad="127000">
+                    <a:prstClr val="white"/>
+                  </a:glow>
+                </a:effectLst>
+                <a:latin typeface="VNI-Times" pitchFamily="2" charset="0"/>
               </a:rPr>
               <a:t>1.</a:t>
             </a:r>
             <a:r>
-              <a:rPr lang="en-US" sz="6600" b="1">
-                <a:solidFill>
-                  <a:sysClr val="windowText" lastClr="000000"/>
-                </a:solidFill>
-                <a:effectLst>
-                  <a:glow rad="127000">
-                    <a:prstClr val="white"/>
-                  </a:glow>
-                </a:effectLst>
-                <a:latin typeface="VNI-Aptima" pitchFamily="2" charset="0"/>
-              </a:rPr>
-              <a:t> </a:t>
-            </a:r>
-            <a:r>
-              <a:rPr lang="en-US" sz="6600" b="1" smtClean="0">
-                <a:solidFill>
-                  <a:sysClr val="windowText" lastClr="000000"/>
-                </a:solidFill>
-                <a:effectLst>
-                  <a:glow rad="127000">
-                    <a:schemeClr val="bg1"/>
-                  </a:glow>
-                </a:effectLst>
-                <a:latin typeface="VNI-Aptima" pitchFamily="2" charset="0"/>
-              </a:rPr>
-              <a:t>Ñeâm yeân laëng! </a:t>
+              <a:rPr lang="en-US" sz="6600" b="1" dirty="0">
+                <a:solidFill>
+                  <a:sysClr val="windowText" lastClr="000000"/>
+                </a:solidFill>
+                <a:effectLst>
+                  <a:glow rad="127000">
+                    <a:prstClr val="white"/>
+                  </a:glow>
+                </a:effectLst>
+                <a:latin typeface="VNI-Times" pitchFamily="2" charset="0"/>
+              </a:rPr>
+              <a:t> </a:t>
+            </a:r>
+            <a:r>
+              <a:rPr lang="en-US" sz="6600" b="1" dirty="0" err="1">
+                <a:solidFill>
+                  <a:sysClr val="windowText" lastClr="000000"/>
+                </a:solidFill>
+                <a:effectLst>
+                  <a:glow rad="127000">
+                    <a:schemeClr val="bg1"/>
+                  </a:glow>
+                </a:effectLst>
+                <a:latin typeface="VNI-Times" pitchFamily="2" charset="0"/>
+              </a:rPr>
+              <a:t>Ñeâm</a:t>
+            </a:r>
+            <a:r>
+              <a:rPr lang="en-US" sz="6600" b="1" dirty="0">
+                <a:solidFill>
+                  <a:sysClr val="windowText" lastClr="000000"/>
+                </a:solidFill>
+                <a:effectLst>
+                  <a:glow rad="127000">
+                    <a:schemeClr val="bg1"/>
+                  </a:glow>
+                </a:effectLst>
+                <a:latin typeface="VNI-Times" pitchFamily="2" charset="0"/>
+              </a:rPr>
+              <a:t> </a:t>
+            </a:r>
+            <a:r>
+              <a:rPr lang="en-US" sz="6600" b="1" dirty="0" err="1">
+                <a:solidFill>
+                  <a:sysClr val="windowText" lastClr="000000"/>
+                </a:solidFill>
+                <a:effectLst>
+                  <a:glow rad="127000">
+                    <a:schemeClr val="bg1"/>
+                  </a:glow>
+                </a:effectLst>
+                <a:latin typeface="VNI-Times" pitchFamily="2" charset="0"/>
+              </a:rPr>
+              <a:t>yeân</a:t>
+            </a:r>
+            <a:r>
+              <a:rPr lang="en-US" sz="6600" b="1" dirty="0">
+                <a:solidFill>
+                  <a:sysClr val="windowText" lastClr="000000"/>
+                </a:solidFill>
+                <a:effectLst>
+                  <a:glow rad="127000">
+                    <a:schemeClr val="bg1"/>
+                  </a:glow>
+                </a:effectLst>
+                <a:latin typeface="VNI-Times" pitchFamily="2" charset="0"/>
+              </a:rPr>
+              <a:t> </a:t>
+            </a:r>
+            <a:r>
+              <a:rPr lang="en-US" sz="6600" b="1" dirty="0" err="1">
+                <a:solidFill>
+                  <a:sysClr val="windowText" lastClr="000000"/>
+                </a:solidFill>
+                <a:effectLst>
+                  <a:glow rad="127000">
+                    <a:schemeClr val="bg1"/>
+                  </a:glow>
+                </a:effectLst>
+                <a:latin typeface="VNI-Times" pitchFamily="2" charset="0"/>
+              </a:rPr>
+              <a:t>laëng</a:t>
+            </a:r>
+            <a:r>
+              <a:rPr lang="en-US" sz="6600" b="1" dirty="0">
+                <a:solidFill>
+                  <a:sysClr val="windowText" lastClr="000000"/>
+                </a:solidFill>
+                <a:effectLst>
+                  <a:glow rad="127000">
+                    <a:schemeClr val="bg1"/>
+                  </a:glow>
+                </a:effectLst>
+                <a:latin typeface="VNI-Times" pitchFamily="2" charset="0"/>
+              </a:rPr>
+              <a:t>! </a:t>
             </a:r>
             <a:br>
-              <a:rPr lang="en-US" sz="6600" b="1" smtClean="0">
-                <a:solidFill>
-                  <a:sysClr val="windowText" lastClr="000000"/>
-                </a:solidFill>
-                <a:effectLst>
-                  <a:glow rad="127000">
-                    <a:schemeClr val="bg1"/>
-                  </a:glow>
-                </a:effectLst>
-                <a:latin typeface="VNI-Aptima" pitchFamily="2" charset="0"/>
+              <a:rPr lang="en-US" sz="6600" b="1" dirty="0">
+                <a:solidFill>
+                  <a:sysClr val="windowText" lastClr="000000"/>
+                </a:solidFill>
+                <a:effectLst>
+                  <a:glow rad="127000">
+                    <a:schemeClr val="bg1"/>
+                  </a:glow>
+                </a:effectLst>
+                <a:latin typeface="VNI-Times" pitchFamily="2" charset="0"/>
               </a:rPr>
             </a:br>
             <a:r>
-              <a:rPr lang="en-US" sz="6600" b="1" smtClean="0">
-                <a:solidFill>
-                  <a:sysClr val="windowText" lastClr="000000"/>
-                </a:solidFill>
-                <a:effectLst>
-                  <a:glow rad="127000">
-                    <a:schemeClr val="bg1"/>
-                  </a:glow>
-                </a:effectLst>
-                <a:latin typeface="VNI-Aptima" pitchFamily="2" charset="0"/>
-              </a:rPr>
-              <a:t>Ñeâm thaùnh naày!  </a:t>
+              <a:rPr lang="en-US" sz="6600" b="1" dirty="0" err="1">
+                <a:solidFill>
+                  <a:sysClr val="windowText" lastClr="000000"/>
+                </a:solidFill>
+                <a:effectLst>
+                  <a:glow rad="127000">
+                    <a:schemeClr val="bg1"/>
+                  </a:glow>
+                </a:effectLst>
+                <a:latin typeface="VNI-Times" pitchFamily="2" charset="0"/>
+              </a:rPr>
+              <a:t>Ñeâm</a:t>
+            </a:r>
+            <a:r>
+              <a:rPr lang="en-US" sz="6600" b="1" dirty="0">
+                <a:solidFill>
+                  <a:sysClr val="windowText" lastClr="000000"/>
+                </a:solidFill>
+                <a:effectLst>
+                  <a:glow rad="127000">
+                    <a:schemeClr val="bg1"/>
+                  </a:glow>
+                </a:effectLst>
+                <a:latin typeface="VNI-Times" pitchFamily="2" charset="0"/>
+              </a:rPr>
+              <a:t> </a:t>
+            </a:r>
+            <a:r>
+              <a:rPr lang="en-US" sz="6600" b="1" dirty="0" err="1">
+                <a:solidFill>
+                  <a:sysClr val="windowText" lastClr="000000"/>
+                </a:solidFill>
+                <a:effectLst>
+                  <a:glow rad="127000">
+                    <a:schemeClr val="bg1"/>
+                  </a:glow>
+                </a:effectLst>
+                <a:latin typeface="VNI-Times" pitchFamily="2" charset="0"/>
+              </a:rPr>
+              <a:t>thaùnh</a:t>
+            </a:r>
+            <a:r>
+              <a:rPr lang="en-US" sz="6600" b="1" dirty="0">
+                <a:solidFill>
+                  <a:sysClr val="windowText" lastClr="000000"/>
+                </a:solidFill>
+                <a:effectLst>
+                  <a:glow rad="127000">
+                    <a:schemeClr val="bg1"/>
+                  </a:glow>
+                </a:effectLst>
+                <a:latin typeface="VNI-Times" pitchFamily="2" charset="0"/>
+              </a:rPr>
+              <a:t> </a:t>
+            </a:r>
+            <a:r>
+              <a:rPr lang="en-US" sz="6600" b="1" dirty="0" err="1">
+                <a:solidFill>
+                  <a:sysClr val="windowText" lastClr="000000"/>
+                </a:solidFill>
+                <a:effectLst>
+                  <a:glow rad="127000">
+                    <a:schemeClr val="bg1"/>
+                  </a:glow>
+                </a:effectLst>
+                <a:latin typeface="VNI-Times" pitchFamily="2" charset="0"/>
+              </a:rPr>
+              <a:t>naày</a:t>
+            </a:r>
+            <a:r>
+              <a:rPr lang="en-US" sz="6600" b="1" dirty="0">
+                <a:solidFill>
+                  <a:sysClr val="windowText" lastClr="000000"/>
+                </a:solidFill>
+                <a:effectLst>
+                  <a:glow rad="127000">
+                    <a:schemeClr val="bg1"/>
+                  </a:glow>
+                </a:effectLst>
+                <a:latin typeface="VNI-Times" pitchFamily="2" charset="0"/>
+              </a:rPr>
+              <a:t>!  </a:t>
             </a:r>
             <a:br>
-              <a:rPr lang="en-US" sz="6600" b="1" smtClean="0">
-                <a:solidFill>
-                  <a:sysClr val="windowText" lastClr="000000"/>
-                </a:solidFill>
-                <a:effectLst>
-                  <a:glow rad="127000">
-                    <a:schemeClr val="bg1"/>
-                  </a:glow>
-                </a:effectLst>
-                <a:latin typeface="VNI-Aptima" pitchFamily="2" charset="0"/>
+              <a:rPr lang="en-US" sz="6600" b="1" dirty="0">
+                <a:solidFill>
+                  <a:sysClr val="windowText" lastClr="000000"/>
+                </a:solidFill>
+                <a:effectLst>
+                  <a:glow rad="127000">
+                    <a:schemeClr val="bg1"/>
+                  </a:glow>
+                </a:effectLst>
+                <a:latin typeface="VNI-Times" pitchFamily="2" charset="0"/>
               </a:rPr>
             </a:br>
             <a:r>
-              <a:rPr lang="en-US" sz="6600" b="1" smtClean="0">
-                <a:solidFill>
-                  <a:sysClr val="windowText" lastClr="000000"/>
-                </a:solidFill>
-                <a:effectLst>
-                  <a:glow rad="127000">
-                    <a:schemeClr val="bg1"/>
-                  </a:glow>
-                </a:effectLst>
-                <a:latin typeface="VNI-Aptima" pitchFamily="2" charset="0"/>
-              </a:rPr>
-              <a:t>Vaéng veû thay! </a:t>
+              <a:rPr lang="en-US" sz="6600" b="1" dirty="0" err="1">
+                <a:solidFill>
+                  <a:sysClr val="windowText" lastClr="000000"/>
+                </a:solidFill>
+                <a:effectLst>
+                  <a:glow rad="127000">
+                    <a:schemeClr val="bg1"/>
+                  </a:glow>
+                </a:effectLst>
+                <a:latin typeface="VNI-Times" pitchFamily="2" charset="0"/>
+              </a:rPr>
+              <a:t>Vaéng</a:t>
+            </a:r>
+            <a:r>
+              <a:rPr lang="en-US" sz="6600" b="1" dirty="0">
+                <a:solidFill>
+                  <a:sysClr val="windowText" lastClr="000000"/>
+                </a:solidFill>
+                <a:effectLst>
+                  <a:glow rad="127000">
+                    <a:schemeClr val="bg1"/>
+                  </a:glow>
+                </a:effectLst>
+                <a:latin typeface="VNI-Times" pitchFamily="2" charset="0"/>
+              </a:rPr>
+              <a:t> </a:t>
+            </a:r>
+            <a:r>
+              <a:rPr lang="en-US" sz="6600" b="1" dirty="0" err="1">
+                <a:solidFill>
+                  <a:sysClr val="windowText" lastClr="000000"/>
+                </a:solidFill>
+                <a:effectLst>
+                  <a:glow rad="127000">
+                    <a:schemeClr val="bg1"/>
+                  </a:glow>
+                </a:effectLst>
+                <a:latin typeface="VNI-Times" pitchFamily="2" charset="0"/>
+              </a:rPr>
+              <a:t>veû</a:t>
+            </a:r>
+            <a:r>
+              <a:rPr lang="en-US" sz="6600" b="1" dirty="0">
+                <a:solidFill>
+                  <a:sysClr val="windowText" lastClr="000000"/>
+                </a:solidFill>
+                <a:effectLst>
+                  <a:glow rad="127000">
+                    <a:schemeClr val="bg1"/>
+                  </a:glow>
+                </a:effectLst>
+                <a:latin typeface="VNI-Times" pitchFamily="2" charset="0"/>
+              </a:rPr>
+              <a:t> </a:t>
+            </a:r>
+            <a:r>
+              <a:rPr lang="en-US" sz="6600" b="1" dirty="0" err="1">
+                <a:solidFill>
+                  <a:sysClr val="windowText" lastClr="000000"/>
+                </a:solidFill>
+                <a:effectLst>
+                  <a:glow rad="127000">
+                    <a:schemeClr val="bg1"/>
+                  </a:glow>
+                </a:effectLst>
+                <a:latin typeface="VNI-Times" pitchFamily="2" charset="0"/>
+              </a:rPr>
+              <a:t>thay</a:t>
+            </a:r>
+            <a:r>
+              <a:rPr lang="en-US" sz="6600" b="1" dirty="0">
+                <a:solidFill>
+                  <a:sysClr val="windowText" lastClr="000000"/>
+                </a:solidFill>
+                <a:effectLst>
+                  <a:glow rad="127000">
+                    <a:schemeClr val="bg1"/>
+                  </a:glow>
+                </a:effectLst>
+                <a:latin typeface="VNI-Times" pitchFamily="2" charset="0"/>
+              </a:rPr>
+              <a:t>! </a:t>
             </a:r>
             <a:br>
-              <a:rPr lang="en-US" sz="6600" b="1" smtClean="0">
-                <a:solidFill>
-                  <a:sysClr val="windowText" lastClr="000000"/>
-                </a:solidFill>
-                <a:effectLst>
-                  <a:glow rad="127000">
-                    <a:schemeClr val="bg1"/>
-                  </a:glow>
-                </a:effectLst>
-                <a:latin typeface="VNI-Aptima" pitchFamily="2" charset="0"/>
+              <a:rPr lang="en-US" sz="6600" b="1" dirty="0">
+                <a:solidFill>
+                  <a:sysClr val="windowText" lastClr="000000"/>
+                </a:solidFill>
+                <a:effectLst>
+                  <a:glow rad="127000">
+                    <a:schemeClr val="bg1"/>
+                  </a:glow>
+                </a:effectLst>
+                <a:latin typeface="VNI-Times" pitchFamily="2" charset="0"/>
               </a:rPr>
             </a:br>
             <a:r>
-              <a:rPr lang="en-US" sz="6600" b="1" smtClean="0">
-                <a:solidFill>
-                  <a:sysClr val="windowText" lastClr="000000"/>
-                </a:solidFill>
-                <a:effectLst>
-                  <a:glow rad="127000">
-                    <a:schemeClr val="bg1"/>
-                  </a:glow>
-                </a:effectLst>
-                <a:latin typeface="VNI-Aptima" pitchFamily="2" charset="0"/>
-              </a:rPr>
-              <a:t>Saùng laùng thay!</a:t>
-            </a:r>
-            <a:endParaRPr lang="en-US" sz="6600" b="1">
+              <a:rPr lang="en-US" sz="6600" b="1" dirty="0" err="1">
+                <a:solidFill>
+                  <a:sysClr val="windowText" lastClr="000000"/>
+                </a:solidFill>
+                <a:effectLst>
+                  <a:glow rad="127000">
+                    <a:schemeClr val="bg1"/>
+                  </a:glow>
+                </a:effectLst>
+                <a:latin typeface="VNI-Times" pitchFamily="2" charset="0"/>
+              </a:rPr>
+              <a:t>Saùng</a:t>
+            </a:r>
+            <a:r>
+              <a:rPr lang="en-US" sz="6600" b="1" dirty="0">
+                <a:solidFill>
+                  <a:sysClr val="windowText" lastClr="000000"/>
+                </a:solidFill>
+                <a:effectLst>
+                  <a:glow rad="127000">
+                    <a:schemeClr val="bg1"/>
+                  </a:glow>
+                </a:effectLst>
+                <a:latin typeface="VNI-Times" pitchFamily="2" charset="0"/>
+              </a:rPr>
+              <a:t> </a:t>
+            </a:r>
+            <a:r>
+              <a:rPr lang="en-US" sz="6600" b="1" dirty="0" err="1">
+                <a:solidFill>
+                  <a:sysClr val="windowText" lastClr="000000"/>
+                </a:solidFill>
+                <a:effectLst>
+                  <a:glow rad="127000">
+                    <a:schemeClr val="bg1"/>
+                  </a:glow>
+                </a:effectLst>
+                <a:latin typeface="VNI-Times" pitchFamily="2" charset="0"/>
+              </a:rPr>
+              <a:t>laùng</a:t>
+            </a:r>
+            <a:r>
+              <a:rPr lang="en-US" sz="6600" b="1" dirty="0">
+                <a:solidFill>
+                  <a:sysClr val="windowText" lastClr="000000"/>
+                </a:solidFill>
+                <a:effectLst>
+                  <a:glow rad="127000">
+                    <a:schemeClr val="bg1"/>
+                  </a:glow>
+                </a:effectLst>
+                <a:latin typeface="VNI-Times" pitchFamily="2" charset="0"/>
+              </a:rPr>
+              <a:t> </a:t>
+            </a:r>
+            <a:r>
+              <a:rPr lang="en-US" sz="6600" b="1" dirty="0" err="1">
+                <a:solidFill>
+                  <a:sysClr val="windowText" lastClr="000000"/>
+                </a:solidFill>
+                <a:effectLst>
+                  <a:glow rad="127000">
+                    <a:schemeClr val="bg1"/>
+                  </a:glow>
+                </a:effectLst>
+                <a:latin typeface="VNI-Times" pitchFamily="2" charset="0"/>
+              </a:rPr>
+              <a:t>thay</a:t>
+            </a:r>
+            <a:r>
+              <a:rPr lang="en-US" sz="6600" b="1" dirty="0">
+                <a:solidFill>
+                  <a:sysClr val="windowText" lastClr="000000"/>
+                </a:solidFill>
+                <a:effectLst>
+                  <a:glow rad="127000">
+                    <a:schemeClr val="bg1"/>
+                  </a:glow>
+                </a:effectLst>
+                <a:latin typeface="VNI-Times" pitchFamily="2" charset="0"/>
+              </a:rPr>
+              <a:t>!</a:t>
+            </a:r>
+            <a:endParaRPr lang="en-US" sz="6600" b="1" dirty="0">
               <a:solidFill>
                 <a:prstClr val="black"/>
               </a:solidFill>
@@ -2273,7 +2769,7 @@
                   <a:prstClr val="white"/>
                 </a:glow>
               </a:effectLst>
-              <a:latin typeface="VNI-Aptima" pitchFamily="2" charset="0"/>
+              <a:latin typeface="VNI-Times" pitchFamily="2" charset="0"/>
             </a:endParaRPr>
           </a:p>
         </p:txBody>
@@ -2291,13 +2787,6 @@
   <p:transition spd="slow">
     <p:randomBar dir="vert"/>
   </p:transition>
-  <p:timing>
-    <p:tnLst>
-      <p:par>
-        <p:cTn id="1" dur="indefinite" restart="never" nodeType="tmRoot"/>
-      </p:par>
-    </p:tnLst>
-  </p:timing>
 </p:sld>
 </file>
 
@@ -2356,72 +2845,422 @@
           <a:p>
             <a:pPr algn="ctr"/>
             <a:r>
-              <a:rPr lang="en-US" sz="6600" b="1" smtClean="0">
-                <a:solidFill>
-                  <a:sysClr val="windowText" lastClr="000000"/>
-                </a:solidFill>
-                <a:effectLst>
-                  <a:glow rad="127000">
-                    <a:prstClr val="white"/>
-                  </a:glow>
-                </a:effectLst>
-                <a:latin typeface="VNI-Aptima" pitchFamily="2" charset="0"/>
-              </a:rPr>
-              <a:t>Chung quanh choán </a:t>
+              <a:rPr lang="en-US" sz="6600" b="1" dirty="0">
+                <a:solidFill>
+                  <a:sysClr val="windowText" lastClr="000000"/>
+                </a:solidFill>
+                <a:effectLst>
+                  <a:glow rad="127000">
+                    <a:prstClr val="white"/>
+                  </a:glow>
+                </a:effectLst>
+                <a:latin typeface="VNI-Times" pitchFamily="2" charset="0"/>
+              </a:rPr>
+              <a:t>Chung </a:t>
+            </a:r>
+            <a:r>
+              <a:rPr lang="en-US" sz="6600" b="1" dirty="0" err="1">
+                <a:solidFill>
+                  <a:sysClr val="windowText" lastClr="000000"/>
+                </a:solidFill>
+                <a:effectLst>
+                  <a:glow rad="127000">
+                    <a:prstClr val="white"/>
+                  </a:glow>
+                </a:effectLst>
+                <a:latin typeface="VNI-Times" pitchFamily="2" charset="0"/>
+              </a:rPr>
+              <a:t>quanh</a:t>
+            </a:r>
+            <a:r>
+              <a:rPr lang="en-US" sz="6600" b="1" dirty="0">
+                <a:solidFill>
+                  <a:sysClr val="windowText" lastClr="000000"/>
+                </a:solidFill>
+                <a:effectLst>
+                  <a:glow rad="127000">
+                    <a:prstClr val="white"/>
+                  </a:glow>
+                </a:effectLst>
+                <a:latin typeface="VNI-Times" pitchFamily="2" charset="0"/>
+              </a:rPr>
+              <a:t> </a:t>
+            </a:r>
+            <a:r>
+              <a:rPr lang="en-US" sz="6600" b="1" dirty="0" err="1">
+                <a:solidFill>
+                  <a:sysClr val="windowText" lastClr="000000"/>
+                </a:solidFill>
+                <a:effectLst>
+                  <a:glow rad="127000">
+                    <a:prstClr val="white"/>
+                  </a:glow>
+                </a:effectLst>
+                <a:latin typeface="VNI-Times" pitchFamily="2" charset="0"/>
+              </a:rPr>
+              <a:t>choán</a:t>
+            </a:r>
+            <a:r>
+              <a:rPr lang="en-US" sz="6600" b="1" dirty="0">
+                <a:solidFill>
+                  <a:sysClr val="windowText" lastClr="000000"/>
+                </a:solidFill>
+                <a:effectLst>
+                  <a:glow rad="127000">
+                    <a:prstClr val="white"/>
+                  </a:glow>
+                </a:effectLst>
+                <a:latin typeface="VNI-Times" pitchFamily="2" charset="0"/>
+              </a:rPr>
+              <a:t> </a:t>
             </a:r>
             <a:br>
-              <a:rPr lang="en-US" sz="6600" b="1" smtClean="0">
-                <a:solidFill>
-                  <a:sysClr val="windowText" lastClr="000000"/>
-                </a:solidFill>
-                <a:effectLst>
-                  <a:glow rad="127000">
-                    <a:prstClr val="white"/>
-                  </a:glow>
-                </a:effectLst>
-                <a:latin typeface="VNI-Aptima" pitchFamily="2" charset="0"/>
+              <a:rPr lang="en-US" sz="6600" b="1" dirty="0">
+                <a:solidFill>
+                  <a:sysClr val="windowText" lastClr="000000"/>
+                </a:solidFill>
+                <a:effectLst>
+                  <a:glow rad="127000">
+                    <a:prstClr val="white"/>
+                  </a:glow>
+                </a:effectLst>
+                <a:latin typeface="VNI-Times" pitchFamily="2" charset="0"/>
               </a:rPr>
             </a:br>
             <a:r>
-              <a:rPr lang="en-US" sz="6600" b="1" smtClean="0">
-                <a:solidFill>
-                  <a:sysClr val="windowText" lastClr="000000"/>
-                </a:solidFill>
-                <a:effectLst>
-                  <a:glow rad="127000">
-                    <a:prstClr val="white"/>
-                  </a:glow>
-                </a:effectLst>
-                <a:latin typeface="VNI-Aptima" pitchFamily="2" charset="0"/>
-              </a:rPr>
-              <a:t>Ma-ri ñang ngaém con mình, Con Trai thaùnh </a:t>
+              <a:rPr lang="en-US" sz="6600" b="1" dirty="0">
+                <a:solidFill>
+                  <a:sysClr val="windowText" lastClr="000000"/>
+                </a:solidFill>
+                <a:effectLst>
+                  <a:glow rad="127000">
+                    <a:prstClr val="white"/>
+                  </a:glow>
+                </a:effectLst>
+                <a:latin typeface="VNI-Times" pitchFamily="2" charset="0"/>
+              </a:rPr>
+              <a:t>Ma-</a:t>
+            </a:r>
+            <a:r>
+              <a:rPr lang="en-US" sz="6600" b="1" dirty="0" err="1">
+                <a:solidFill>
+                  <a:sysClr val="windowText" lastClr="000000"/>
+                </a:solidFill>
+                <a:effectLst>
+                  <a:glow rad="127000">
+                    <a:prstClr val="white"/>
+                  </a:glow>
+                </a:effectLst>
+                <a:latin typeface="VNI-Times" pitchFamily="2" charset="0"/>
+              </a:rPr>
+              <a:t>ri</a:t>
+            </a:r>
+            <a:r>
+              <a:rPr lang="en-US" sz="6600" b="1" dirty="0">
+                <a:solidFill>
+                  <a:sysClr val="windowText" lastClr="000000"/>
+                </a:solidFill>
+                <a:effectLst>
+                  <a:glow rad="127000">
+                    <a:prstClr val="white"/>
+                  </a:glow>
+                </a:effectLst>
+                <a:latin typeface="VNI-Times" pitchFamily="2" charset="0"/>
+              </a:rPr>
+              <a:t> </a:t>
+            </a:r>
+            <a:r>
+              <a:rPr lang="en-US" sz="6600" b="1" dirty="0" err="1">
+                <a:solidFill>
+                  <a:sysClr val="windowText" lastClr="000000"/>
+                </a:solidFill>
+                <a:effectLst>
+                  <a:glow rad="127000">
+                    <a:prstClr val="white"/>
+                  </a:glow>
+                </a:effectLst>
+                <a:latin typeface="VNI-Times" pitchFamily="2" charset="0"/>
+              </a:rPr>
+              <a:t>ñang</a:t>
+            </a:r>
+            <a:r>
+              <a:rPr lang="en-US" sz="6600" b="1" dirty="0">
+                <a:solidFill>
+                  <a:sysClr val="windowText" lastClr="000000"/>
+                </a:solidFill>
+                <a:effectLst>
+                  <a:glow rad="127000">
+                    <a:prstClr val="white"/>
+                  </a:glow>
+                </a:effectLst>
+                <a:latin typeface="VNI-Times" pitchFamily="2" charset="0"/>
+              </a:rPr>
+              <a:t> </a:t>
+            </a:r>
+            <a:r>
+              <a:rPr lang="en-US" sz="6600" b="1" dirty="0" err="1">
+                <a:solidFill>
+                  <a:sysClr val="windowText" lastClr="000000"/>
+                </a:solidFill>
+                <a:effectLst>
+                  <a:glow rad="127000">
+                    <a:prstClr val="white"/>
+                  </a:glow>
+                </a:effectLst>
+                <a:latin typeface="VNI-Times" pitchFamily="2" charset="0"/>
+              </a:rPr>
+              <a:t>ngaém</a:t>
+            </a:r>
+            <a:r>
+              <a:rPr lang="en-US" sz="6600" b="1" dirty="0">
+                <a:solidFill>
+                  <a:sysClr val="windowText" lastClr="000000"/>
+                </a:solidFill>
+                <a:effectLst>
+                  <a:glow rad="127000">
+                    <a:prstClr val="white"/>
+                  </a:glow>
+                </a:effectLst>
+                <a:latin typeface="VNI-Times" pitchFamily="2" charset="0"/>
+              </a:rPr>
+              <a:t> con </a:t>
+            </a:r>
+            <a:r>
+              <a:rPr lang="en-US" sz="6600" b="1" dirty="0" err="1">
+                <a:solidFill>
+                  <a:sysClr val="windowText" lastClr="000000"/>
+                </a:solidFill>
+                <a:effectLst>
+                  <a:glow rad="127000">
+                    <a:prstClr val="white"/>
+                  </a:glow>
+                </a:effectLst>
+                <a:latin typeface="VNI-Times" pitchFamily="2" charset="0"/>
+              </a:rPr>
+              <a:t>mình</a:t>
+            </a:r>
+            <a:r>
+              <a:rPr lang="en-US" sz="6600" b="1" dirty="0">
+                <a:solidFill>
+                  <a:sysClr val="windowText" lastClr="000000"/>
+                </a:solidFill>
+                <a:effectLst>
+                  <a:glow rad="127000">
+                    <a:prstClr val="white"/>
+                  </a:glow>
+                </a:effectLst>
+                <a:latin typeface="VNI-Times" pitchFamily="2" charset="0"/>
+              </a:rPr>
+              <a:t>, Con </a:t>
+            </a:r>
+            <a:r>
+              <a:rPr lang="en-US" sz="6600" b="1" dirty="0" err="1">
+                <a:solidFill>
+                  <a:sysClr val="windowText" lastClr="000000"/>
+                </a:solidFill>
+                <a:effectLst>
+                  <a:glow rad="127000">
+                    <a:prstClr val="white"/>
+                  </a:glow>
+                </a:effectLst>
+                <a:latin typeface="VNI-Times" pitchFamily="2" charset="0"/>
+              </a:rPr>
+              <a:t>Trai</a:t>
+            </a:r>
+            <a:r>
+              <a:rPr lang="en-US" sz="6600" b="1" dirty="0">
+                <a:solidFill>
+                  <a:sysClr val="windowText" lastClr="000000"/>
+                </a:solidFill>
+                <a:effectLst>
+                  <a:glow rad="127000">
+                    <a:prstClr val="white"/>
+                  </a:glow>
+                </a:effectLst>
+                <a:latin typeface="VNI-Times" pitchFamily="2" charset="0"/>
+              </a:rPr>
+              <a:t> </a:t>
+            </a:r>
+            <a:r>
+              <a:rPr lang="en-US" sz="6600" b="1" dirty="0" err="1">
+                <a:solidFill>
+                  <a:sysClr val="windowText" lastClr="000000"/>
+                </a:solidFill>
+                <a:effectLst>
+                  <a:glow rad="127000">
+                    <a:prstClr val="white"/>
+                  </a:glow>
+                </a:effectLst>
+                <a:latin typeface="VNI-Times" pitchFamily="2" charset="0"/>
+              </a:rPr>
+              <a:t>thaùnh</a:t>
+            </a:r>
+            <a:r>
+              <a:rPr lang="en-US" sz="6600" b="1" dirty="0">
+                <a:solidFill>
+                  <a:sysClr val="windowText" lastClr="000000"/>
+                </a:solidFill>
+                <a:effectLst>
+                  <a:glow rad="127000">
+                    <a:prstClr val="white"/>
+                  </a:glow>
+                </a:effectLst>
+                <a:latin typeface="VNI-Times" pitchFamily="2" charset="0"/>
+              </a:rPr>
+              <a:t> </a:t>
             </a:r>
             <a:br>
-              <a:rPr lang="en-US" sz="6600" b="1" smtClean="0">
-                <a:solidFill>
-                  <a:sysClr val="windowText" lastClr="000000"/>
-                </a:solidFill>
-                <a:effectLst>
-                  <a:glow rad="127000">
-                    <a:prstClr val="white"/>
-                  </a:glow>
-                </a:effectLst>
-                <a:latin typeface="VNI-Aptima" pitchFamily="2" charset="0"/>
+              <a:rPr lang="en-US" sz="6600" b="1" dirty="0">
+                <a:solidFill>
+                  <a:sysClr val="windowText" lastClr="000000"/>
+                </a:solidFill>
+                <a:effectLst>
+                  <a:glow rad="127000">
+                    <a:prstClr val="white"/>
+                  </a:glow>
+                </a:effectLst>
+                <a:latin typeface="VNI-Times" pitchFamily="2" charset="0"/>
               </a:rPr>
             </a:br>
             <a:r>
-              <a:rPr lang="en-US" sz="6600" b="1" smtClean="0">
-                <a:solidFill>
-                  <a:sysClr val="windowText" lastClr="000000"/>
-                </a:solidFill>
-                <a:effectLst>
-                  <a:glow rad="127000">
-                    <a:prstClr val="white"/>
-                  </a:glow>
-                </a:effectLst>
-                <a:latin typeface="VNI-Aptima" pitchFamily="2" charset="0"/>
-              </a:rPr>
-              <a:t>raát töôi vui, raát an bình.</a:t>
+              <a:rPr lang="en-US" sz="6600" b="1" dirty="0" err="1">
+                <a:solidFill>
+                  <a:sysClr val="windowText" lastClr="000000"/>
+                </a:solidFill>
+                <a:effectLst>
+                  <a:glow rad="127000">
+                    <a:prstClr val="white"/>
+                  </a:glow>
+                </a:effectLst>
+                <a:latin typeface="VNI-Times" pitchFamily="2" charset="0"/>
+              </a:rPr>
+              <a:t>raát</a:t>
+            </a:r>
+            <a:r>
+              <a:rPr lang="en-US" sz="6600" b="1" dirty="0">
+                <a:solidFill>
+                  <a:sysClr val="windowText" lastClr="000000"/>
+                </a:solidFill>
+                <a:effectLst>
+                  <a:glow rad="127000">
+                    <a:prstClr val="white"/>
+                  </a:glow>
+                </a:effectLst>
+                <a:latin typeface="VNI-Times" pitchFamily="2" charset="0"/>
+              </a:rPr>
+              <a:t> </a:t>
+            </a:r>
+            <a:r>
+              <a:rPr lang="en-US" sz="6600" b="1" dirty="0" err="1">
+                <a:solidFill>
+                  <a:sysClr val="windowText" lastClr="000000"/>
+                </a:solidFill>
+                <a:effectLst>
+                  <a:glow rad="127000">
+                    <a:prstClr val="white"/>
+                  </a:glow>
+                </a:effectLst>
+                <a:latin typeface="VNI-Times" pitchFamily="2" charset="0"/>
+              </a:rPr>
+              <a:t>töôi</a:t>
+            </a:r>
+            <a:r>
+              <a:rPr lang="en-US" sz="6600" b="1" dirty="0">
+                <a:solidFill>
+                  <a:sysClr val="windowText" lastClr="000000"/>
+                </a:solidFill>
+                <a:effectLst>
+                  <a:glow rad="127000">
+                    <a:prstClr val="white"/>
+                  </a:glow>
+                </a:effectLst>
+                <a:latin typeface="VNI-Times" pitchFamily="2" charset="0"/>
+              </a:rPr>
+              <a:t> </a:t>
+            </a:r>
+            <a:r>
+              <a:rPr lang="en-US" sz="6600" b="1" dirty="0" err="1">
+                <a:solidFill>
+                  <a:sysClr val="windowText" lastClr="000000"/>
+                </a:solidFill>
+                <a:effectLst>
+                  <a:glow rad="127000">
+                    <a:prstClr val="white"/>
+                  </a:glow>
+                </a:effectLst>
+                <a:latin typeface="VNI-Times" pitchFamily="2" charset="0"/>
+              </a:rPr>
+              <a:t>vui</a:t>
+            </a:r>
+            <a:r>
+              <a:rPr lang="en-US" sz="6600" b="1" dirty="0">
+                <a:solidFill>
+                  <a:sysClr val="windowText" lastClr="000000"/>
+                </a:solidFill>
+                <a:effectLst>
+                  <a:glow rad="127000">
+                    <a:prstClr val="white"/>
+                  </a:glow>
+                </a:effectLst>
+                <a:latin typeface="VNI-Times" pitchFamily="2" charset="0"/>
+              </a:rPr>
+              <a:t>, </a:t>
+            </a:r>
+            <a:r>
+              <a:rPr lang="en-US" sz="6600" b="1" dirty="0" err="1">
+                <a:solidFill>
+                  <a:sysClr val="windowText" lastClr="000000"/>
+                </a:solidFill>
+                <a:effectLst>
+                  <a:glow rad="127000">
+                    <a:prstClr val="white"/>
+                  </a:glow>
+                </a:effectLst>
+                <a:latin typeface="VNI-Times" pitchFamily="2" charset="0"/>
+              </a:rPr>
+              <a:t>raát</a:t>
+            </a:r>
+            <a:r>
+              <a:rPr lang="en-US" sz="6600" b="1" dirty="0">
+                <a:solidFill>
+                  <a:sysClr val="windowText" lastClr="000000"/>
+                </a:solidFill>
+                <a:effectLst>
+                  <a:glow rad="127000">
+                    <a:prstClr val="white"/>
+                  </a:glow>
+                </a:effectLst>
+                <a:latin typeface="VNI-Times" pitchFamily="2" charset="0"/>
+              </a:rPr>
+              <a:t> an </a:t>
+            </a:r>
+            <a:r>
+              <a:rPr lang="en-US" sz="6600" b="1" dirty="0" err="1">
+                <a:solidFill>
+                  <a:sysClr val="windowText" lastClr="000000"/>
+                </a:solidFill>
+                <a:effectLst>
+                  <a:glow rad="127000">
+                    <a:prstClr val="white"/>
+                  </a:glow>
+                </a:effectLst>
+                <a:latin typeface="VNI-Times" pitchFamily="2" charset="0"/>
+              </a:rPr>
+              <a:t>bình</a:t>
+            </a:r>
+            <a:r>
+              <a:rPr lang="en-US" sz="6600" b="1" dirty="0">
+                <a:solidFill>
+                  <a:sysClr val="windowText" lastClr="000000"/>
+                </a:solidFill>
+                <a:effectLst>
+                  <a:glow rad="127000">
+                    <a:prstClr val="white"/>
+                  </a:glow>
+                </a:effectLst>
+                <a:latin typeface="VNI-Times" pitchFamily="2" charset="0"/>
+              </a:rPr>
+              <a:t>.</a:t>
             </a:r>
           </a:p>
         </p:txBody>
@@ -2450,7 +3289,7 @@
           <a:p>
             <a:pPr algn="ctr"/>
             <a:r>
-              <a:rPr lang="en-US" sz="3400" smtClean="0">
+              <a:rPr lang="en-US" sz="3400" b="1" dirty="0">
                 <a:solidFill>
                   <a:srgbClr val="C00000"/>
                 </a:solidFill>
@@ -2459,7 +3298,7 @@
                     <a:prstClr val="white"/>
                   </a:glow>
                 </a:effectLst>
-                <a:latin typeface="HP-Kabel" pitchFamily="34" charset="0"/>
+                <a:latin typeface="VNI-Times" pitchFamily="2" charset="0"/>
               </a:rPr>
               <a:t>THAÙNH CA 59 – ÑEÂM YEÂN LAËNG</a:t>
             </a:r>
@@ -2476,21 +3315,6 @@
   <p:clrMapOvr>
     <a:overrideClrMapping bg1="lt1" tx1="dk1" bg2="lt2" tx2="dk2" accent1="accent1" accent2="accent2" accent3="accent3" accent4="accent4" accent5="accent5" accent6="accent6" hlink="hlink" folHlink="folHlink"/>
   </p:clrMapOvr>
-  <mc:AlternateContent xmlns:mc="http://schemas.openxmlformats.org/markup-compatibility/2006" xmlns:p14="http://schemas.microsoft.com/office/powerpoint/2010/main">
-    <mc:Choice Requires="p14">
-      <p:transition p14:dur="0"/>
-    </mc:Choice>
-    <mc:Fallback xmlns="">
-      <p:transition/>
-    </mc:Fallback>
-  </mc:AlternateContent>
-  <p:timing>
-    <p:tnLst>
-      <p:par>
-        <p:cTn id="1" dur="indefinite" restart="never" nodeType="tmRoot"/>
-      </p:par>
-    </p:tnLst>
-  </p:timing>
 </p:sld>
 </file>
 
@@ -2549,89 +3373,369 @@
           <a:p>
             <a:pPr algn="ctr"/>
             <a:r>
-              <a:rPr lang="en-US" sz="6600" b="1" smtClean="0">
-                <a:solidFill>
-                  <a:sysClr val="windowText" lastClr="000000"/>
-                </a:solidFill>
-                <a:effectLst>
-                  <a:glow rad="127000">
-                    <a:prstClr val="white"/>
-                  </a:glow>
-                </a:effectLst>
-                <a:latin typeface="VNI-Aptima" pitchFamily="2" charset="0"/>
-              </a:rPr>
-              <a:t>Ñöông ngôi döôùi </a:t>
+              <a:rPr lang="en-US" sz="6600" b="1" dirty="0" err="1">
+                <a:solidFill>
+                  <a:sysClr val="windowText" lastClr="000000"/>
+                </a:solidFill>
+                <a:effectLst>
+                  <a:glow rad="127000">
+                    <a:prstClr val="white"/>
+                  </a:glow>
+                </a:effectLst>
+                <a:latin typeface="VNI-Times" pitchFamily="2" charset="0"/>
+              </a:rPr>
+              <a:t>Ñöông</a:t>
+            </a:r>
+            <a:r>
+              <a:rPr lang="en-US" sz="6600" b="1" dirty="0">
+                <a:solidFill>
+                  <a:sysClr val="windowText" lastClr="000000"/>
+                </a:solidFill>
+                <a:effectLst>
+                  <a:glow rad="127000">
+                    <a:prstClr val="white"/>
+                  </a:glow>
+                </a:effectLst>
+                <a:latin typeface="VNI-Times" pitchFamily="2" charset="0"/>
+              </a:rPr>
+              <a:t> </a:t>
+            </a:r>
+            <a:r>
+              <a:rPr lang="en-US" sz="6600" b="1" dirty="0" err="1">
+                <a:solidFill>
+                  <a:sysClr val="windowText" lastClr="000000"/>
+                </a:solidFill>
+                <a:effectLst>
+                  <a:glow rad="127000">
+                    <a:prstClr val="white"/>
+                  </a:glow>
+                </a:effectLst>
+                <a:latin typeface="VNI-Times" pitchFamily="2" charset="0"/>
+              </a:rPr>
+              <a:t>ngôi</a:t>
+            </a:r>
+            <a:r>
+              <a:rPr lang="en-US" sz="6600" b="1" dirty="0">
+                <a:solidFill>
+                  <a:sysClr val="windowText" lastClr="000000"/>
+                </a:solidFill>
+                <a:effectLst>
+                  <a:glow rad="127000">
+                    <a:prstClr val="white"/>
+                  </a:glow>
+                </a:effectLst>
+                <a:latin typeface="VNI-Times" pitchFamily="2" charset="0"/>
+              </a:rPr>
+              <a:t> </a:t>
+            </a:r>
+            <a:r>
+              <a:rPr lang="en-US" sz="6600" b="1" dirty="0" err="1">
+                <a:solidFill>
+                  <a:sysClr val="windowText" lastClr="000000"/>
+                </a:solidFill>
+                <a:effectLst>
+                  <a:glow rad="127000">
+                    <a:prstClr val="white"/>
+                  </a:glow>
+                </a:effectLst>
+                <a:latin typeface="VNI-Times" pitchFamily="2" charset="0"/>
+              </a:rPr>
+              <a:t>döôùi</a:t>
+            </a:r>
+            <a:r>
+              <a:rPr lang="en-US" sz="6600" b="1" dirty="0">
+                <a:solidFill>
+                  <a:sysClr val="windowText" lastClr="000000"/>
+                </a:solidFill>
+                <a:effectLst>
+                  <a:glow rad="127000">
+                    <a:prstClr val="white"/>
+                  </a:glow>
+                </a:effectLst>
+                <a:latin typeface="VNI-Times" pitchFamily="2" charset="0"/>
+              </a:rPr>
+              <a:t> </a:t>
             </a:r>
             <a:br>
-              <a:rPr lang="en-US" sz="6600" b="1" smtClean="0">
-                <a:solidFill>
-                  <a:sysClr val="windowText" lastClr="000000"/>
-                </a:solidFill>
-                <a:effectLst>
-                  <a:glow rad="127000">
-                    <a:prstClr val="white"/>
-                  </a:glow>
-                </a:effectLst>
-                <a:latin typeface="VNI-Aptima" pitchFamily="2" charset="0"/>
+              <a:rPr lang="en-US" sz="6600" b="1" dirty="0">
+                <a:solidFill>
+                  <a:sysClr val="windowText" lastClr="000000"/>
+                </a:solidFill>
+                <a:effectLst>
+                  <a:glow rad="127000">
+                    <a:prstClr val="white"/>
+                  </a:glow>
+                </a:effectLst>
+                <a:latin typeface="VNI-Times" pitchFamily="2" charset="0"/>
               </a:rPr>
             </a:br>
             <a:r>
-              <a:rPr lang="en-US" sz="6600" b="1" smtClean="0">
-                <a:solidFill>
-                  <a:sysClr val="windowText" lastClr="000000"/>
-                </a:solidFill>
-                <a:effectLst>
-                  <a:glow rad="127000">
-                    <a:prstClr val="white"/>
-                  </a:glow>
-                </a:effectLst>
-                <a:latin typeface="VNI-Aptima" pitchFamily="2" charset="0"/>
-              </a:rPr>
-              <a:t>khung trôøi vaéng, </a:t>
+              <a:rPr lang="en-US" sz="6600" b="1" dirty="0" err="1">
+                <a:solidFill>
+                  <a:sysClr val="windowText" lastClr="000000"/>
+                </a:solidFill>
+                <a:effectLst>
+                  <a:glow rad="127000">
+                    <a:prstClr val="white"/>
+                  </a:glow>
+                </a:effectLst>
+                <a:latin typeface="VNI-Times" pitchFamily="2" charset="0"/>
+              </a:rPr>
+              <a:t>khung</a:t>
+            </a:r>
+            <a:r>
+              <a:rPr lang="en-US" sz="6600" b="1" dirty="0">
+                <a:solidFill>
+                  <a:sysClr val="windowText" lastClr="000000"/>
+                </a:solidFill>
+                <a:effectLst>
+                  <a:glow rad="127000">
+                    <a:prstClr val="white"/>
+                  </a:glow>
+                </a:effectLst>
+                <a:latin typeface="VNI-Times" pitchFamily="2" charset="0"/>
+              </a:rPr>
+              <a:t> </a:t>
+            </a:r>
+            <a:r>
+              <a:rPr lang="en-US" sz="6600" b="1" dirty="0" err="1">
+                <a:solidFill>
+                  <a:sysClr val="windowText" lastClr="000000"/>
+                </a:solidFill>
+                <a:effectLst>
+                  <a:glow rad="127000">
+                    <a:prstClr val="white"/>
+                  </a:glow>
+                </a:effectLst>
+                <a:latin typeface="VNI-Times" pitchFamily="2" charset="0"/>
+              </a:rPr>
+              <a:t>trôøi</a:t>
+            </a:r>
+            <a:r>
+              <a:rPr lang="en-US" sz="6600" b="1" dirty="0">
+                <a:solidFill>
+                  <a:sysClr val="windowText" lastClr="000000"/>
+                </a:solidFill>
+                <a:effectLst>
+                  <a:glow rad="127000">
+                    <a:prstClr val="white"/>
+                  </a:glow>
+                </a:effectLst>
+                <a:latin typeface="VNI-Times" pitchFamily="2" charset="0"/>
+              </a:rPr>
+              <a:t> </a:t>
+            </a:r>
+            <a:r>
+              <a:rPr lang="en-US" sz="6600" b="1" dirty="0" err="1">
+                <a:solidFill>
+                  <a:sysClr val="windowText" lastClr="000000"/>
+                </a:solidFill>
+                <a:effectLst>
+                  <a:glow rad="127000">
+                    <a:prstClr val="white"/>
+                  </a:glow>
+                </a:effectLst>
+                <a:latin typeface="VNI-Times" pitchFamily="2" charset="0"/>
+              </a:rPr>
+              <a:t>vaéng</a:t>
+            </a:r>
+            <a:r>
+              <a:rPr lang="en-US" sz="6600" b="1" dirty="0">
+                <a:solidFill>
+                  <a:sysClr val="windowText" lastClr="000000"/>
+                </a:solidFill>
+                <a:effectLst>
+                  <a:glow rad="127000">
+                    <a:prstClr val="white"/>
+                  </a:glow>
+                </a:effectLst>
+                <a:latin typeface="VNI-Times" pitchFamily="2" charset="0"/>
+              </a:rPr>
+              <a:t>, </a:t>
             </a:r>
           </a:p>
           <a:p>
             <a:pPr algn="ctr"/>
             <a:r>
-              <a:rPr lang="en-US" sz="6600" b="1" smtClean="0">
-                <a:solidFill>
-                  <a:sysClr val="windowText" lastClr="000000"/>
-                </a:solidFill>
-                <a:effectLst>
-                  <a:glow rad="127000">
-                    <a:prstClr val="white"/>
-                  </a:glow>
-                </a:effectLst>
-                <a:latin typeface="VNI-Aptima" pitchFamily="2" charset="0"/>
-              </a:rPr>
-              <a:t>eâm ñeàm giöõa </a:t>
+              <a:rPr lang="en-US" sz="6600" b="1" dirty="0" err="1">
+                <a:solidFill>
+                  <a:sysClr val="windowText" lastClr="000000"/>
+                </a:solidFill>
+                <a:effectLst>
+                  <a:glow rad="127000">
+                    <a:prstClr val="white"/>
+                  </a:glow>
+                </a:effectLst>
+                <a:latin typeface="VNI-Times" pitchFamily="2" charset="0"/>
+              </a:rPr>
+              <a:t>eâm</a:t>
+            </a:r>
+            <a:r>
+              <a:rPr lang="en-US" sz="6600" b="1" dirty="0">
+                <a:solidFill>
+                  <a:sysClr val="windowText" lastClr="000000"/>
+                </a:solidFill>
+                <a:effectLst>
+                  <a:glow rad="127000">
+                    <a:prstClr val="white"/>
+                  </a:glow>
+                </a:effectLst>
+                <a:latin typeface="VNI-Times" pitchFamily="2" charset="0"/>
+              </a:rPr>
+              <a:t> </a:t>
+            </a:r>
+            <a:r>
+              <a:rPr lang="en-US" sz="6600" b="1" dirty="0" err="1">
+                <a:solidFill>
+                  <a:sysClr val="windowText" lastClr="000000"/>
+                </a:solidFill>
+                <a:effectLst>
+                  <a:glow rad="127000">
+                    <a:prstClr val="white"/>
+                  </a:glow>
+                </a:effectLst>
+                <a:latin typeface="VNI-Times" pitchFamily="2" charset="0"/>
+              </a:rPr>
+              <a:t>ñeàm</a:t>
+            </a:r>
+            <a:r>
+              <a:rPr lang="en-US" sz="6600" b="1" dirty="0">
+                <a:solidFill>
+                  <a:sysClr val="windowText" lastClr="000000"/>
+                </a:solidFill>
+                <a:effectLst>
+                  <a:glow rad="127000">
+                    <a:prstClr val="white"/>
+                  </a:glow>
+                </a:effectLst>
+                <a:latin typeface="VNI-Times" pitchFamily="2" charset="0"/>
+              </a:rPr>
+              <a:t> </a:t>
+            </a:r>
+            <a:r>
+              <a:rPr lang="en-US" sz="6600" b="1" dirty="0" err="1">
+                <a:solidFill>
+                  <a:sysClr val="windowText" lastClr="000000"/>
+                </a:solidFill>
+                <a:effectLst>
+                  <a:glow rad="127000">
+                    <a:prstClr val="white"/>
+                  </a:glow>
+                </a:effectLst>
+                <a:latin typeface="VNI-Times" pitchFamily="2" charset="0"/>
+              </a:rPr>
+              <a:t>giöõa</a:t>
+            </a:r>
+            <a:r>
+              <a:rPr lang="en-US" sz="6600" b="1" dirty="0">
+                <a:solidFill>
+                  <a:sysClr val="windowText" lastClr="000000"/>
+                </a:solidFill>
+                <a:effectLst>
+                  <a:glow rad="127000">
+                    <a:prstClr val="white"/>
+                  </a:glow>
+                </a:effectLst>
+                <a:latin typeface="VNI-Times" pitchFamily="2" charset="0"/>
+              </a:rPr>
+              <a:t> </a:t>
             </a:r>
             <a:br>
-              <a:rPr lang="en-US" sz="6600" b="1" smtClean="0">
-                <a:solidFill>
-                  <a:sysClr val="windowText" lastClr="000000"/>
-                </a:solidFill>
-                <a:effectLst>
-                  <a:glow rad="127000">
-                    <a:prstClr val="white"/>
-                  </a:glow>
-                </a:effectLst>
-                <a:latin typeface="VNI-Aptima" pitchFamily="2" charset="0"/>
+              <a:rPr lang="en-US" sz="6600" b="1" dirty="0">
+                <a:solidFill>
+                  <a:sysClr val="windowText" lastClr="000000"/>
+                </a:solidFill>
+                <a:effectLst>
+                  <a:glow rad="127000">
+                    <a:prstClr val="white"/>
+                  </a:glow>
+                </a:effectLst>
+                <a:latin typeface="VNI-Times" pitchFamily="2" charset="0"/>
               </a:rPr>
             </a:br>
             <a:r>
-              <a:rPr lang="en-US" sz="6600" b="1" smtClean="0">
-                <a:solidFill>
-                  <a:sysClr val="windowText" lastClr="000000"/>
-                </a:solidFill>
-                <a:effectLst>
-                  <a:glow rad="127000">
-                    <a:prstClr val="white"/>
-                  </a:glow>
-                </a:effectLst>
-                <a:latin typeface="VNI-Aptima" pitchFamily="2" charset="0"/>
-              </a:rPr>
-              <a:t>ñeâm yeân laëng.</a:t>
+              <a:rPr lang="en-US" sz="6600" b="1" dirty="0" err="1">
+                <a:solidFill>
+                  <a:sysClr val="windowText" lastClr="000000"/>
+                </a:solidFill>
+                <a:effectLst>
+                  <a:glow rad="127000">
+                    <a:prstClr val="white"/>
+                  </a:glow>
+                </a:effectLst>
+                <a:latin typeface="VNI-Times" pitchFamily="2" charset="0"/>
+              </a:rPr>
+              <a:t>ñeâm</a:t>
+            </a:r>
+            <a:r>
+              <a:rPr lang="en-US" sz="6600" b="1" dirty="0">
+                <a:solidFill>
+                  <a:sysClr val="windowText" lastClr="000000"/>
+                </a:solidFill>
+                <a:effectLst>
+                  <a:glow rad="127000">
+                    <a:prstClr val="white"/>
+                  </a:glow>
+                </a:effectLst>
+                <a:latin typeface="VNI-Times" pitchFamily="2" charset="0"/>
+              </a:rPr>
+              <a:t> </a:t>
+            </a:r>
+            <a:r>
+              <a:rPr lang="en-US" sz="6600" b="1" dirty="0" err="1">
+                <a:solidFill>
+                  <a:sysClr val="windowText" lastClr="000000"/>
+                </a:solidFill>
+                <a:effectLst>
+                  <a:glow rad="127000">
+                    <a:prstClr val="white"/>
+                  </a:glow>
+                </a:effectLst>
+                <a:latin typeface="VNI-Times" pitchFamily="2" charset="0"/>
+              </a:rPr>
+              <a:t>yeân</a:t>
+            </a:r>
+            <a:r>
+              <a:rPr lang="en-US" sz="6600" b="1" dirty="0">
+                <a:solidFill>
+                  <a:sysClr val="windowText" lastClr="000000"/>
+                </a:solidFill>
+                <a:effectLst>
+                  <a:glow rad="127000">
+                    <a:prstClr val="white"/>
+                  </a:glow>
+                </a:effectLst>
+                <a:latin typeface="VNI-Times" pitchFamily="2" charset="0"/>
+              </a:rPr>
+              <a:t> </a:t>
+            </a:r>
+            <a:r>
+              <a:rPr lang="en-US" sz="6600" b="1" dirty="0" err="1">
+                <a:solidFill>
+                  <a:sysClr val="windowText" lastClr="000000"/>
+                </a:solidFill>
+                <a:effectLst>
+                  <a:glow rad="127000">
+                    <a:prstClr val="white"/>
+                  </a:glow>
+                </a:effectLst>
+                <a:latin typeface="VNI-Times" pitchFamily="2" charset="0"/>
+              </a:rPr>
+              <a:t>laëng</a:t>
+            </a:r>
+            <a:r>
+              <a:rPr lang="en-US" sz="6600" b="1" dirty="0">
+                <a:solidFill>
+                  <a:sysClr val="windowText" lastClr="000000"/>
+                </a:solidFill>
+                <a:effectLst>
+                  <a:glow rad="127000">
+                    <a:prstClr val="white"/>
+                  </a:glow>
+                </a:effectLst>
+                <a:latin typeface="VNI-Times" pitchFamily="2" charset="0"/>
+              </a:rPr>
+              <a:t>.</a:t>
             </a:r>
           </a:p>
         </p:txBody>
@@ -2660,7 +3764,7 @@
           <a:p>
             <a:pPr algn="ctr"/>
             <a:r>
-              <a:rPr lang="en-US" sz="3400" smtClean="0">
+              <a:rPr lang="en-US" sz="3400" b="1" dirty="0">
                 <a:solidFill>
                   <a:srgbClr val="C00000"/>
                 </a:solidFill>
@@ -2669,7 +3773,7 @@
                     <a:prstClr val="white"/>
                   </a:glow>
                 </a:effectLst>
-                <a:latin typeface="HP-Kabel" pitchFamily="34" charset="0"/>
+                <a:latin typeface="VNI-Times" pitchFamily="2" charset="0"/>
               </a:rPr>
               <a:t>THAÙNH CA 59 – ÑEÂM YEÂN LAËNG</a:t>
             </a:r>
@@ -2686,21 +3790,6 @@
   <p:clrMapOvr>
     <a:overrideClrMapping bg1="lt1" tx1="dk1" bg2="lt2" tx2="dk2" accent1="accent1" accent2="accent2" accent3="accent3" accent4="accent4" accent5="accent5" accent6="accent6" hlink="hlink" folHlink="folHlink"/>
   </p:clrMapOvr>
-  <mc:AlternateContent xmlns:mc="http://schemas.openxmlformats.org/markup-compatibility/2006" xmlns:p14="http://schemas.microsoft.com/office/powerpoint/2010/main">
-    <mc:Choice Requires="p14">
-      <p:transition p14:dur="0"/>
-    </mc:Choice>
-    <mc:Fallback xmlns="">
-      <p:transition/>
-    </mc:Fallback>
-  </mc:AlternateContent>
-  <p:timing>
-    <p:tnLst>
-      <p:par>
-        <p:cTn id="1" dur="indefinite" restart="never" nodeType="tmRoot"/>
-      </p:par>
-    </p:tnLst>
-  </p:timing>
 </p:sld>
 </file>
 
@@ -2745,7 +3834,7 @@
           <a:p>
             <a:pPr algn="ctr"/>
             <a:r>
-              <a:rPr lang="en-US" sz="3400" smtClean="0">
+              <a:rPr lang="en-US" sz="3400" b="1" dirty="0">
                 <a:solidFill>
                   <a:srgbClr val="C00000"/>
                 </a:solidFill>
@@ -2754,7 +3843,7 @@
                     <a:prstClr val="white"/>
                   </a:glow>
                 </a:effectLst>
-                <a:latin typeface="HP-Kabel" pitchFamily="34" charset="0"/>
+                <a:latin typeface="VNI-Times" pitchFamily="2" charset="0"/>
               </a:rPr>
               <a:t>THAÙNH CA 59 – ÑEÂM YEÂN LAËNG</a:t>
             </a:r>
@@ -2785,129 +3874,409 @@
           <a:p>
             <a:pPr algn="ctr"/>
             <a:r>
-              <a:rPr lang="en-US" sz="4000" b="1" smtClean="0">
-                <a:solidFill>
-                  <a:sysClr val="windowText" lastClr="000000"/>
-                </a:solidFill>
-                <a:effectLst>
-                  <a:glow rad="127000">
-                    <a:prstClr val="white"/>
-                  </a:glow>
-                </a:effectLst>
-                <a:latin typeface="VNI-Aptima" pitchFamily="2" charset="0"/>
+              <a:rPr lang="en-US" sz="4000" b="1" dirty="0">
+                <a:solidFill>
+                  <a:sysClr val="windowText" lastClr="000000"/>
+                </a:solidFill>
+                <a:effectLst>
+                  <a:glow rad="127000">
+                    <a:prstClr val="white"/>
+                  </a:glow>
+                </a:effectLst>
+                <a:latin typeface="VNI-Times" pitchFamily="2" charset="0"/>
               </a:rPr>
               <a:t>2.</a:t>
             </a:r>
             <a:r>
-              <a:rPr lang="en-US" sz="6600" b="1" smtClean="0">
-                <a:solidFill>
-                  <a:sysClr val="windowText" lastClr="000000"/>
-                </a:solidFill>
-                <a:effectLst>
-                  <a:glow rad="127000">
-                    <a:prstClr val="white"/>
-                  </a:glow>
-                </a:effectLst>
-                <a:latin typeface="VNI-Aptima" pitchFamily="2" charset="0"/>
-              </a:rPr>
-              <a:t> </a:t>
-            </a:r>
-            <a:r>
-              <a:rPr lang="en-US" sz="6600" b="1" smtClean="0">
-                <a:solidFill>
-                  <a:sysClr val="windowText" lastClr="000000"/>
-                </a:solidFill>
-                <a:effectLst>
-                  <a:glow rad="127000">
-                    <a:schemeClr val="bg1"/>
-                  </a:glow>
-                </a:effectLst>
-                <a:latin typeface="VNI-Aptima" pitchFamily="2" charset="0"/>
-              </a:rPr>
-              <a:t>Ñeâm yeân laëng! </a:t>
+              <a:rPr lang="en-US" sz="6600" b="1" dirty="0">
+                <a:solidFill>
+                  <a:sysClr val="windowText" lastClr="000000"/>
+                </a:solidFill>
+                <a:effectLst>
+                  <a:glow rad="127000">
+                    <a:prstClr val="white"/>
+                  </a:glow>
+                </a:effectLst>
+                <a:latin typeface="VNI-Times" pitchFamily="2" charset="0"/>
+              </a:rPr>
+              <a:t> </a:t>
+            </a:r>
+            <a:r>
+              <a:rPr lang="en-US" sz="6600" b="1" dirty="0" err="1">
+                <a:solidFill>
+                  <a:sysClr val="windowText" lastClr="000000"/>
+                </a:solidFill>
+                <a:effectLst>
+                  <a:glow rad="127000">
+                    <a:schemeClr val="bg1"/>
+                  </a:glow>
+                </a:effectLst>
+                <a:latin typeface="VNI-Times" pitchFamily="2" charset="0"/>
+              </a:rPr>
+              <a:t>Ñeâm</a:t>
+            </a:r>
+            <a:r>
+              <a:rPr lang="en-US" sz="6600" b="1" dirty="0">
+                <a:solidFill>
+                  <a:sysClr val="windowText" lastClr="000000"/>
+                </a:solidFill>
+                <a:effectLst>
+                  <a:glow rad="127000">
+                    <a:schemeClr val="bg1"/>
+                  </a:glow>
+                </a:effectLst>
+                <a:latin typeface="VNI-Times" pitchFamily="2" charset="0"/>
+              </a:rPr>
+              <a:t> </a:t>
+            </a:r>
+            <a:r>
+              <a:rPr lang="en-US" sz="6600" b="1" dirty="0" err="1">
+                <a:solidFill>
+                  <a:sysClr val="windowText" lastClr="000000"/>
+                </a:solidFill>
+                <a:effectLst>
+                  <a:glow rad="127000">
+                    <a:schemeClr val="bg1"/>
+                  </a:glow>
+                </a:effectLst>
+                <a:latin typeface="VNI-Times" pitchFamily="2" charset="0"/>
+              </a:rPr>
+              <a:t>yeân</a:t>
+            </a:r>
+            <a:r>
+              <a:rPr lang="en-US" sz="6600" b="1" dirty="0">
+                <a:solidFill>
+                  <a:sysClr val="windowText" lastClr="000000"/>
+                </a:solidFill>
+                <a:effectLst>
+                  <a:glow rad="127000">
+                    <a:schemeClr val="bg1"/>
+                  </a:glow>
+                </a:effectLst>
+                <a:latin typeface="VNI-Times" pitchFamily="2" charset="0"/>
+              </a:rPr>
+              <a:t> </a:t>
+            </a:r>
+            <a:r>
+              <a:rPr lang="en-US" sz="6600" b="1" dirty="0" err="1">
+                <a:solidFill>
+                  <a:sysClr val="windowText" lastClr="000000"/>
+                </a:solidFill>
+                <a:effectLst>
+                  <a:glow rad="127000">
+                    <a:schemeClr val="bg1"/>
+                  </a:glow>
+                </a:effectLst>
+                <a:latin typeface="VNI-Times" pitchFamily="2" charset="0"/>
+              </a:rPr>
+              <a:t>laëng</a:t>
+            </a:r>
+            <a:r>
+              <a:rPr lang="en-US" sz="6600" b="1" dirty="0">
+                <a:solidFill>
+                  <a:sysClr val="windowText" lastClr="000000"/>
+                </a:solidFill>
+                <a:effectLst>
+                  <a:glow rad="127000">
+                    <a:schemeClr val="bg1"/>
+                  </a:glow>
+                </a:effectLst>
+                <a:latin typeface="VNI-Times" pitchFamily="2" charset="0"/>
+              </a:rPr>
+              <a:t>! </a:t>
             </a:r>
             <a:br>
-              <a:rPr lang="en-US" sz="6600" b="1" smtClean="0">
-                <a:solidFill>
-                  <a:sysClr val="windowText" lastClr="000000"/>
-                </a:solidFill>
-                <a:effectLst>
-                  <a:glow rad="127000">
-                    <a:schemeClr val="bg1"/>
-                  </a:glow>
-                </a:effectLst>
-                <a:latin typeface="VNI-Aptima" pitchFamily="2" charset="0"/>
+              <a:rPr lang="en-US" sz="6600" b="1" dirty="0">
+                <a:solidFill>
+                  <a:sysClr val="windowText" lastClr="000000"/>
+                </a:solidFill>
+                <a:effectLst>
+                  <a:glow rad="127000">
+                    <a:schemeClr val="bg1"/>
+                  </a:glow>
+                </a:effectLst>
+                <a:latin typeface="VNI-Times" pitchFamily="2" charset="0"/>
               </a:rPr>
             </a:br>
             <a:r>
-              <a:rPr lang="en-US" sz="6600" b="1" smtClean="0">
-                <a:solidFill>
-                  <a:sysClr val="windowText" lastClr="000000"/>
-                </a:solidFill>
-                <a:effectLst>
-                  <a:glow rad="127000">
-                    <a:schemeClr val="bg1"/>
-                  </a:glow>
-                </a:effectLst>
-                <a:latin typeface="VNI-Aptima" pitchFamily="2" charset="0"/>
-              </a:rPr>
-              <a:t>Ñeâm thaùnh naày!  </a:t>
+              <a:rPr lang="en-US" sz="6600" b="1" dirty="0" err="1">
+                <a:solidFill>
+                  <a:sysClr val="windowText" lastClr="000000"/>
+                </a:solidFill>
+                <a:effectLst>
+                  <a:glow rad="127000">
+                    <a:schemeClr val="bg1"/>
+                  </a:glow>
+                </a:effectLst>
+                <a:latin typeface="VNI-Times" pitchFamily="2" charset="0"/>
+              </a:rPr>
+              <a:t>Ñeâm</a:t>
+            </a:r>
+            <a:r>
+              <a:rPr lang="en-US" sz="6600" b="1" dirty="0">
+                <a:solidFill>
+                  <a:sysClr val="windowText" lastClr="000000"/>
+                </a:solidFill>
+                <a:effectLst>
+                  <a:glow rad="127000">
+                    <a:schemeClr val="bg1"/>
+                  </a:glow>
+                </a:effectLst>
+                <a:latin typeface="VNI-Times" pitchFamily="2" charset="0"/>
+              </a:rPr>
+              <a:t> </a:t>
+            </a:r>
+            <a:r>
+              <a:rPr lang="en-US" sz="6600" b="1" dirty="0" err="1">
+                <a:solidFill>
+                  <a:sysClr val="windowText" lastClr="000000"/>
+                </a:solidFill>
+                <a:effectLst>
+                  <a:glow rad="127000">
+                    <a:schemeClr val="bg1"/>
+                  </a:glow>
+                </a:effectLst>
+                <a:latin typeface="VNI-Times" pitchFamily="2" charset="0"/>
+              </a:rPr>
+              <a:t>thaùnh</a:t>
+            </a:r>
+            <a:r>
+              <a:rPr lang="en-US" sz="6600" b="1" dirty="0">
+                <a:solidFill>
+                  <a:sysClr val="windowText" lastClr="000000"/>
+                </a:solidFill>
+                <a:effectLst>
+                  <a:glow rad="127000">
+                    <a:schemeClr val="bg1"/>
+                  </a:glow>
+                </a:effectLst>
+                <a:latin typeface="VNI-Times" pitchFamily="2" charset="0"/>
+              </a:rPr>
+              <a:t> </a:t>
+            </a:r>
+            <a:r>
+              <a:rPr lang="en-US" sz="6600" b="1" dirty="0" err="1">
+                <a:solidFill>
+                  <a:sysClr val="windowText" lastClr="000000"/>
+                </a:solidFill>
+                <a:effectLst>
+                  <a:glow rad="127000">
+                    <a:schemeClr val="bg1"/>
+                  </a:glow>
+                </a:effectLst>
+                <a:latin typeface="VNI-Times" pitchFamily="2" charset="0"/>
+              </a:rPr>
+              <a:t>naày</a:t>
+            </a:r>
+            <a:r>
+              <a:rPr lang="en-US" sz="6600" b="1" dirty="0">
+                <a:solidFill>
+                  <a:sysClr val="windowText" lastClr="000000"/>
+                </a:solidFill>
+                <a:effectLst>
+                  <a:glow rad="127000">
+                    <a:schemeClr val="bg1"/>
+                  </a:glow>
+                </a:effectLst>
+                <a:latin typeface="VNI-Times" pitchFamily="2" charset="0"/>
+              </a:rPr>
+              <a:t>!  </a:t>
             </a:r>
             <a:br>
-              <a:rPr lang="en-US" sz="6600" b="1" smtClean="0">
-                <a:solidFill>
-                  <a:sysClr val="windowText" lastClr="000000"/>
-                </a:solidFill>
-                <a:effectLst>
-                  <a:glow rad="127000">
-                    <a:schemeClr val="bg1"/>
-                  </a:glow>
-                </a:effectLst>
-                <a:latin typeface="VNI-Aptima" pitchFamily="2" charset="0"/>
+              <a:rPr lang="en-US" sz="6600" b="1" dirty="0">
+                <a:solidFill>
+                  <a:sysClr val="windowText" lastClr="000000"/>
+                </a:solidFill>
+                <a:effectLst>
+                  <a:glow rad="127000">
+                    <a:schemeClr val="bg1"/>
+                  </a:glow>
+                </a:effectLst>
+                <a:latin typeface="VNI-Times" pitchFamily="2" charset="0"/>
               </a:rPr>
             </a:br>
             <a:r>
-              <a:rPr lang="en-US" sz="6600" b="1" smtClean="0">
-                <a:solidFill>
-                  <a:sysClr val="windowText" lastClr="000000"/>
-                </a:solidFill>
-                <a:effectLst>
-                  <a:glow rad="127000">
-                    <a:schemeClr val="bg1"/>
-                  </a:glow>
-                </a:effectLst>
-                <a:latin typeface="VNI-Aptima" pitchFamily="2" charset="0"/>
-              </a:rPr>
-              <a:t>Boãng keû chaên </a:t>
+              <a:rPr lang="en-US" sz="6600" b="1" dirty="0" err="1">
+                <a:solidFill>
+                  <a:sysClr val="windowText" lastClr="000000"/>
+                </a:solidFill>
+                <a:effectLst>
+                  <a:glow rad="127000">
+                    <a:schemeClr val="bg1"/>
+                  </a:glow>
+                </a:effectLst>
+                <a:latin typeface="VNI-Times" pitchFamily="2" charset="0"/>
+              </a:rPr>
+              <a:t>Boãng</a:t>
+            </a:r>
+            <a:r>
+              <a:rPr lang="en-US" sz="6600" b="1" dirty="0">
+                <a:solidFill>
+                  <a:sysClr val="windowText" lastClr="000000"/>
+                </a:solidFill>
+                <a:effectLst>
+                  <a:glow rad="127000">
+                    <a:schemeClr val="bg1"/>
+                  </a:glow>
+                </a:effectLst>
+                <a:latin typeface="VNI-Times" pitchFamily="2" charset="0"/>
+              </a:rPr>
+              <a:t> </a:t>
+            </a:r>
+            <a:r>
+              <a:rPr lang="en-US" sz="6600" b="1" dirty="0" err="1">
+                <a:solidFill>
+                  <a:sysClr val="windowText" lastClr="000000"/>
+                </a:solidFill>
+                <a:effectLst>
+                  <a:glow rad="127000">
+                    <a:schemeClr val="bg1"/>
+                  </a:glow>
+                </a:effectLst>
+                <a:latin typeface="VNI-Times" pitchFamily="2" charset="0"/>
+              </a:rPr>
+              <a:t>keû</a:t>
+            </a:r>
+            <a:r>
+              <a:rPr lang="en-US" sz="6600" b="1" dirty="0">
+                <a:solidFill>
+                  <a:sysClr val="windowText" lastClr="000000"/>
+                </a:solidFill>
+                <a:effectLst>
+                  <a:glow rad="127000">
+                    <a:schemeClr val="bg1"/>
+                  </a:glow>
+                </a:effectLst>
+                <a:latin typeface="VNI-Times" pitchFamily="2" charset="0"/>
+              </a:rPr>
+              <a:t> </a:t>
+            </a:r>
+            <a:r>
+              <a:rPr lang="en-US" sz="6600" b="1" dirty="0" err="1">
+                <a:solidFill>
+                  <a:sysClr val="windowText" lastClr="000000"/>
+                </a:solidFill>
+                <a:effectLst>
+                  <a:glow rad="127000">
+                    <a:schemeClr val="bg1"/>
+                  </a:glow>
+                </a:effectLst>
+                <a:latin typeface="VNI-Times" pitchFamily="2" charset="0"/>
+              </a:rPr>
+              <a:t>chaên</a:t>
+            </a:r>
+            <a:r>
+              <a:rPr lang="en-US" sz="6600" b="1" dirty="0">
+                <a:solidFill>
+                  <a:sysClr val="windowText" lastClr="000000"/>
+                </a:solidFill>
+                <a:effectLst>
+                  <a:glow rad="127000">
+                    <a:schemeClr val="bg1"/>
+                  </a:glow>
+                </a:effectLst>
+                <a:latin typeface="VNI-Times" pitchFamily="2" charset="0"/>
+              </a:rPr>
+              <a:t> </a:t>
             </a:r>
             <a:br>
-              <a:rPr lang="en-US" sz="6600" b="1" smtClean="0">
-                <a:solidFill>
-                  <a:sysClr val="windowText" lastClr="000000"/>
-                </a:solidFill>
-                <a:effectLst>
-                  <a:glow rad="127000">
-                    <a:schemeClr val="bg1"/>
-                  </a:glow>
-                </a:effectLst>
-                <a:latin typeface="VNI-Aptima" pitchFamily="2" charset="0"/>
+              <a:rPr lang="en-US" sz="6600" b="1" dirty="0">
+                <a:solidFill>
+                  <a:sysClr val="windowText" lastClr="000000"/>
+                </a:solidFill>
+                <a:effectLst>
+                  <a:glow rad="127000">
+                    <a:schemeClr val="bg1"/>
+                  </a:glow>
+                </a:effectLst>
+                <a:latin typeface="VNI-Times" pitchFamily="2" charset="0"/>
               </a:rPr>
             </a:br>
             <a:r>
-              <a:rPr lang="en-US" sz="6600" b="1" smtClean="0">
-                <a:solidFill>
-                  <a:sysClr val="windowText" lastClr="000000"/>
-                </a:solidFill>
-                <a:effectLst>
-                  <a:glow rad="127000">
-                    <a:schemeClr val="bg1"/>
-                  </a:glow>
-                </a:effectLst>
-                <a:latin typeface="VNI-Aptima" pitchFamily="2" charset="0"/>
-              </a:rPr>
-              <a:t>hoaûng hoát thay. </a:t>
-            </a:r>
-            <a:endParaRPr lang="en-US" sz="6600" b="1">
+              <a:rPr lang="en-US" sz="6600" b="1" dirty="0" err="1">
+                <a:solidFill>
+                  <a:sysClr val="windowText" lastClr="000000"/>
+                </a:solidFill>
+                <a:effectLst>
+                  <a:glow rad="127000">
+                    <a:schemeClr val="bg1"/>
+                  </a:glow>
+                </a:effectLst>
+                <a:latin typeface="VNI-Times" pitchFamily="2" charset="0"/>
+              </a:rPr>
+              <a:t>hoaûng</a:t>
+            </a:r>
+            <a:r>
+              <a:rPr lang="en-US" sz="6600" b="1" dirty="0">
+                <a:solidFill>
+                  <a:sysClr val="windowText" lastClr="000000"/>
+                </a:solidFill>
+                <a:effectLst>
+                  <a:glow rad="127000">
+                    <a:schemeClr val="bg1"/>
+                  </a:glow>
+                </a:effectLst>
+                <a:latin typeface="VNI-Times" pitchFamily="2" charset="0"/>
+              </a:rPr>
+              <a:t> </a:t>
+            </a:r>
+            <a:r>
+              <a:rPr lang="en-US" sz="6600" b="1" dirty="0" err="1">
+                <a:solidFill>
+                  <a:sysClr val="windowText" lastClr="000000"/>
+                </a:solidFill>
+                <a:effectLst>
+                  <a:glow rad="127000">
+                    <a:schemeClr val="bg1"/>
+                  </a:glow>
+                </a:effectLst>
+                <a:latin typeface="VNI-Times" pitchFamily="2" charset="0"/>
+              </a:rPr>
+              <a:t>hoát</a:t>
+            </a:r>
+            <a:r>
+              <a:rPr lang="en-US" sz="6600" b="1" dirty="0">
+                <a:solidFill>
+                  <a:sysClr val="windowText" lastClr="000000"/>
+                </a:solidFill>
+                <a:effectLst>
+                  <a:glow rad="127000">
+                    <a:schemeClr val="bg1"/>
+                  </a:glow>
+                </a:effectLst>
+                <a:latin typeface="VNI-Times" pitchFamily="2" charset="0"/>
+              </a:rPr>
+              <a:t> </a:t>
+            </a:r>
+            <a:r>
+              <a:rPr lang="en-US" sz="6600" b="1" dirty="0" err="1">
+                <a:solidFill>
+                  <a:sysClr val="windowText" lastClr="000000"/>
+                </a:solidFill>
+                <a:effectLst>
+                  <a:glow rad="127000">
+                    <a:schemeClr val="bg1"/>
+                  </a:glow>
+                </a:effectLst>
+                <a:latin typeface="VNI-Times" pitchFamily="2" charset="0"/>
+              </a:rPr>
+              <a:t>thay</a:t>
+            </a:r>
+            <a:r>
+              <a:rPr lang="en-US" sz="6600" b="1" dirty="0">
+                <a:solidFill>
+                  <a:sysClr val="windowText" lastClr="000000"/>
+                </a:solidFill>
+                <a:effectLst>
+                  <a:glow rad="127000">
+                    <a:schemeClr val="bg1"/>
+                  </a:glow>
+                </a:effectLst>
+                <a:latin typeface="VNI-Times" pitchFamily="2" charset="0"/>
+              </a:rPr>
+              <a:t>. </a:t>
+            </a:r>
+            <a:endParaRPr lang="en-US" sz="6600" b="1" dirty="0">
               <a:solidFill>
                 <a:prstClr val="black"/>
               </a:solidFill>
@@ -2916,7 +4285,7 @@
                   <a:prstClr val="white"/>
                 </a:glow>
               </a:effectLst>
-              <a:latin typeface="VNI-Aptima" pitchFamily="2" charset="0"/>
+              <a:latin typeface="VNI-Times" pitchFamily="2" charset="0"/>
             </a:endParaRPr>
           </a:p>
         </p:txBody>
@@ -2931,21 +4300,6 @@
   <p:clrMapOvr>
     <a:masterClrMapping/>
   </p:clrMapOvr>
-  <mc:AlternateContent xmlns:mc="http://schemas.openxmlformats.org/markup-compatibility/2006" xmlns:p14="http://schemas.microsoft.com/office/powerpoint/2010/main">
-    <mc:Choice Requires="p14">
-      <p:transition p14:dur="0"/>
-    </mc:Choice>
-    <mc:Fallback xmlns="">
-      <p:transition/>
-    </mc:Fallback>
-  </mc:AlternateContent>
-  <p:timing>
-    <p:tnLst>
-      <p:par>
-        <p:cTn id="1" dur="indefinite" restart="never" nodeType="tmRoot"/>
-      </p:par>
-    </p:tnLst>
-  </p:timing>
 </p:sld>
 </file>
 
@@ -3004,72 +4358,464 @@
           <a:p>
             <a:pPr algn="ctr"/>
             <a:r>
-              <a:rPr lang="en-US" sz="6600" b="1" smtClean="0">
-                <a:solidFill>
-                  <a:sysClr val="windowText" lastClr="000000"/>
-                </a:solidFill>
-                <a:effectLst>
-                  <a:glow rad="127000">
-                    <a:prstClr val="white"/>
-                  </a:glow>
-                </a:effectLst>
-                <a:latin typeface="VNI-Aptima" pitchFamily="2" charset="0"/>
-              </a:rPr>
-              <a:t>Vinh quang thaùnh ôû </a:t>
+              <a:rPr lang="en-US" sz="6600" b="1" dirty="0">
+                <a:solidFill>
+                  <a:sysClr val="windowText" lastClr="000000"/>
+                </a:solidFill>
+                <a:effectLst>
+                  <a:glow rad="127000">
+                    <a:prstClr val="white"/>
+                  </a:glow>
+                </a:effectLst>
+                <a:latin typeface="VNI-Times" pitchFamily="2" charset="0"/>
+              </a:rPr>
+              <a:t>Vinh </a:t>
+            </a:r>
+            <a:r>
+              <a:rPr lang="en-US" sz="6600" b="1" dirty="0" err="1">
+                <a:solidFill>
+                  <a:sysClr val="windowText" lastClr="000000"/>
+                </a:solidFill>
+                <a:effectLst>
+                  <a:glow rad="127000">
+                    <a:prstClr val="white"/>
+                  </a:glow>
+                </a:effectLst>
+                <a:latin typeface="VNI-Times" pitchFamily="2" charset="0"/>
+              </a:rPr>
+              <a:t>quang</a:t>
+            </a:r>
+            <a:r>
+              <a:rPr lang="en-US" sz="6600" b="1" dirty="0">
+                <a:solidFill>
+                  <a:sysClr val="windowText" lastClr="000000"/>
+                </a:solidFill>
+                <a:effectLst>
+                  <a:glow rad="127000">
+                    <a:prstClr val="white"/>
+                  </a:glow>
+                </a:effectLst>
+                <a:latin typeface="VNI-Times" pitchFamily="2" charset="0"/>
+              </a:rPr>
+              <a:t> </a:t>
+            </a:r>
+            <a:r>
+              <a:rPr lang="en-US" sz="6600" b="1" dirty="0" err="1">
+                <a:solidFill>
+                  <a:sysClr val="windowText" lastClr="000000"/>
+                </a:solidFill>
+                <a:effectLst>
+                  <a:glow rad="127000">
+                    <a:prstClr val="white"/>
+                  </a:glow>
+                </a:effectLst>
+                <a:latin typeface="VNI-Times" pitchFamily="2" charset="0"/>
+              </a:rPr>
+              <a:t>thaùnh</a:t>
+            </a:r>
+            <a:r>
+              <a:rPr lang="en-US" sz="6600" b="1" dirty="0">
+                <a:solidFill>
+                  <a:sysClr val="windowText" lastClr="000000"/>
+                </a:solidFill>
+                <a:effectLst>
+                  <a:glow rad="127000">
+                    <a:prstClr val="white"/>
+                  </a:glow>
+                </a:effectLst>
+                <a:latin typeface="VNI-Times" pitchFamily="2" charset="0"/>
+              </a:rPr>
+              <a:t> </a:t>
+            </a:r>
+            <a:r>
+              <a:rPr lang="en-US" sz="6600" b="1" dirty="0" err="1">
+                <a:solidFill>
+                  <a:sysClr val="windowText" lastClr="000000"/>
+                </a:solidFill>
+                <a:effectLst>
+                  <a:glow rad="127000">
+                    <a:prstClr val="white"/>
+                  </a:glow>
+                </a:effectLst>
+                <a:latin typeface="VNI-Times" pitchFamily="2" charset="0"/>
+              </a:rPr>
+              <a:t>ôû</a:t>
+            </a:r>
+            <a:r>
+              <a:rPr lang="en-US" sz="6600" b="1" dirty="0">
+                <a:solidFill>
+                  <a:sysClr val="windowText" lastClr="000000"/>
+                </a:solidFill>
+                <a:effectLst>
+                  <a:glow rad="127000">
+                    <a:prstClr val="white"/>
+                  </a:glow>
+                </a:effectLst>
+                <a:latin typeface="VNI-Times" pitchFamily="2" charset="0"/>
+              </a:rPr>
+              <a:t> </a:t>
             </a:r>
             <a:br>
-              <a:rPr lang="en-US" sz="6600" b="1" smtClean="0">
-                <a:solidFill>
-                  <a:sysClr val="windowText" lastClr="000000"/>
-                </a:solidFill>
-                <a:effectLst>
-                  <a:glow rad="127000">
-                    <a:prstClr val="white"/>
-                  </a:glow>
-                </a:effectLst>
-                <a:latin typeface="VNI-Aptima" pitchFamily="2" charset="0"/>
+              <a:rPr lang="en-US" sz="6600" b="1" dirty="0">
+                <a:solidFill>
+                  <a:sysClr val="windowText" lastClr="000000"/>
+                </a:solidFill>
+                <a:effectLst>
+                  <a:glow rad="127000">
+                    <a:prstClr val="white"/>
+                  </a:glow>
+                </a:effectLst>
+                <a:latin typeface="VNI-Times" pitchFamily="2" charset="0"/>
               </a:rPr>
             </a:br>
             <a:r>
-              <a:rPr lang="en-US" sz="6600" b="1" smtClean="0">
-                <a:solidFill>
-                  <a:sysClr val="windowText" lastClr="000000"/>
-                </a:solidFill>
-                <a:effectLst>
-                  <a:glow rad="127000">
-                    <a:prstClr val="white"/>
-                  </a:glow>
-                </a:effectLst>
-                <a:latin typeface="VNI-Aptima" pitchFamily="2" charset="0"/>
-              </a:rPr>
-              <a:t>nôi thieân quoác soi loøa, muoân thieân söù haùt </a:t>
+              <a:rPr lang="en-US" sz="6600" b="1" dirty="0" err="1">
+                <a:solidFill>
+                  <a:sysClr val="windowText" lastClr="000000"/>
+                </a:solidFill>
+                <a:effectLst>
+                  <a:glow rad="127000">
+                    <a:prstClr val="white"/>
+                  </a:glow>
+                </a:effectLst>
+                <a:latin typeface="VNI-Times" pitchFamily="2" charset="0"/>
+              </a:rPr>
+              <a:t>nôi</a:t>
+            </a:r>
+            <a:r>
+              <a:rPr lang="en-US" sz="6600" b="1" dirty="0">
+                <a:solidFill>
+                  <a:sysClr val="windowText" lastClr="000000"/>
+                </a:solidFill>
+                <a:effectLst>
+                  <a:glow rad="127000">
+                    <a:prstClr val="white"/>
+                  </a:glow>
+                </a:effectLst>
+                <a:latin typeface="VNI-Times" pitchFamily="2" charset="0"/>
+              </a:rPr>
+              <a:t> </a:t>
+            </a:r>
+            <a:r>
+              <a:rPr lang="en-US" sz="6600" b="1" dirty="0" err="1">
+                <a:solidFill>
+                  <a:sysClr val="windowText" lastClr="000000"/>
+                </a:solidFill>
+                <a:effectLst>
+                  <a:glow rad="127000">
+                    <a:prstClr val="white"/>
+                  </a:glow>
+                </a:effectLst>
+                <a:latin typeface="VNI-Times" pitchFamily="2" charset="0"/>
+              </a:rPr>
+              <a:t>thieân</a:t>
+            </a:r>
+            <a:r>
+              <a:rPr lang="en-US" sz="6600" b="1" dirty="0">
+                <a:solidFill>
+                  <a:sysClr val="windowText" lastClr="000000"/>
+                </a:solidFill>
+                <a:effectLst>
+                  <a:glow rad="127000">
+                    <a:prstClr val="white"/>
+                  </a:glow>
+                </a:effectLst>
+                <a:latin typeface="VNI-Times" pitchFamily="2" charset="0"/>
+              </a:rPr>
+              <a:t> </a:t>
+            </a:r>
+            <a:r>
+              <a:rPr lang="en-US" sz="6600" b="1" dirty="0" err="1">
+                <a:solidFill>
+                  <a:sysClr val="windowText" lastClr="000000"/>
+                </a:solidFill>
+                <a:effectLst>
+                  <a:glow rad="127000">
+                    <a:prstClr val="white"/>
+                  </a:glow>
+                </a:effectLst>
+                <a:latin typeface="VNI-Times" pitchFamily="2" charset="0"/>
+              </a:rPr>
+              <a:t>quoác</a:t>
+            </a:r>
+            <a:r>
+              <a:rPr lang="en-US" sz="6600" b="1" dirty="0">
+                <a:solidFill>
+                  <a:sysClr val="windowText" lastClr="000000"/>
+                </a:solidFill>
+                <a:effectLst>
+                  <a:glow rad="127000">
+                    <a:prstClr val="white"/>
+                  </a:glow>
+                </a:effectLst>
+                <a:latin typeface="VNI-Times" pitchFamily="2" charset="0"/>
+              </a:rPr>
+              <a:t> </a:t>
+            </a:r>
+            <a:r>
+              <a:rPr lang="en-US" sz="6600" b="1" dirty="0" err="1">
+                <a:solidFill>
+                  <a:sysClr val="windowText" lastClr="000000"/>
+                </a:solidFill>
+                <a:effectLst>
+                  <a:glow rad="127000">
+                    <a:prstClr val="white"/>
+                  </a:glow>
+                </a:effectLst>
+                <a:latin typeface="VNI-Times" pitchFamily="2" charset="0"/>
+              </a:rPr>
+              <a:t>soi</a:t>
+            </a:r>
+            <a:r>
+              <a:rPr lang="en-US" sz="6600" b="1" dirty="0">
+                <a:solidFill>
+                  <a:sysClr val="windowText" lastClr="000000"/>
+                </a:solidFill>
+                <a:effectLst>
+                  <a:glow rad="127000">
+                    <a:prstClr val="white"/>
+                  </a:glow>
+                </a:effectLst>
+                <a:latin typeface="VNI-Times" pitchFamily="2" charset="0"/>
+              </a:rPr>
+              <a:t> </a:t>
+            </a:r>
+            <a:r>
+              <a:rPr lang="en-US" sz="6600" b="1" dirty="0" err="1">
+                <a:solidFill>
+                  <a:sysClr val="windowText" lastClr="000000"/>
+                </a:solidFill>
+                <a:effectLst>
+                  <a:glow rad="127000">
+                    <a:prstClr val="white"/>
+                  </a:glow>
+                </a:effectLst>
+                <a:latin typeface="VNI-Times" pitchFamily="2" charset="0"/>
+              </a:rPr>
+              <a:t>loøa</a:t>
+            </a:r>
+            <a:r>
+              <a:rPr lang="en-US" sz="6600" b="1" dirty="0">
+                <a:solidFill>
+                  <a:sysClr val="windowText" lastClr="000000"/>
+                </a:solidFill>
+                <a:effectLst>
+                  <a:glow rad="127000">
+                    <a:prstClr val="white"/>
+                  </a:glow>
+                </a:effectLst>
+                <a:latin typeface="VNI-Times" pitchFamily="2" charset="0"/>
+              </a:rPr>
+              <a:t>, </a:t>
+            </a:r>
+            <a:r>
+              <a:rPr lang="en-US" sz="6600" b="1" dirty="0" err="1">
+                <a:solidFill>
+                  <a:sysClr val="windowText" lastClr="000000"/>
+                </a:solidFill>
+                <a:effectLst>
+                  <a:glow rad="127000">
+                    <a:prstClr val="white"/>
+                  </a:glow>
+                </a:effectLst>
+                <a:latin typeface="VNI-Times" pitchFamily="2" charset="0"/>
+              </a:rPr>
+              <a:t>muoân</a:t>
+            </a:r>
+            <a:r>
+              <a:rPr lang="en-US" sz="6600" b="1" dirty="0">
+                <a:solidFill>
+                  <a:sysClr val="windowText" lastClr="000000"/>
+                </a:solidFill>
+                <a:effectLst>
+                  <a:glow rad="127000">
+                    <a:prstClr val="white"/>
+                  </a:glow>
+                </a:effectLst>
+                <a:latin typeface="VNI-Times" pitchFamily="2" charset="0"/>
+              </a:rPr>
+              <a:t> </a:t>
+            </a:r>
+            <a:r>
+              <a:rPr lang="en-US" sz="6600" b="1" dirty="0" err="1">
+                <a:solidFill>
+                  <a:sysClr val="windowText" lastClr="000000"/>
+                </a:solidFill>
+                <a:effectLst>
+                  <a:glow rad="127000">
+                    <a:prstClr val="white"/>
+                  </a:glow>
+                </a:effectLst>
+                <a:latin typeface="VNI-Times" pitchFamily="2" charset="0"/>
+              </a:rPr>
+              <a:t>thieân</a:t>
+            </a:r>
+            <a:r>
+              <a:rPr lang="en-US" sz="6600" b="1" dirty="0">
+                <a:solidFill>
+                  <a:sysClr val="windowText" lastClr="000000"/>
+                </a:solidFill>
+                <a:effectLst>
+                  <a:glow rad="127000">
+                    <a:prstClr val="white"/>
+                  </a:glow>
+                </a:effectLst>
+                <a:latin typeface="VNI-Times" pitchFamily="2" charset="0"/>
+              </a:rPr>
+              <a:t> </a:t>
+            </a:r>
+            <a:r>
+              <a:rPr lang="en-US" sz="6600" b="1" dirty="0" err="1">
+                <a:solidFill>
+                  <a:sysClr val="windowText" lastClr="000000"/>
+                </a:solidFill>
+                <a:effectLst>
+                  <a:glow rad="127000">
+                    <a:prstClr val="white"/>
+                  </a:glow>
+                </a:effectLst>
+                <a:latin typeface="VNI-Times" pitchFamily="2" charset="0"/>
+              </a:rPr>
+              <a:t>söù</a:t>
+            </a:r>
+            <a:r>
+              <a:rPr lang="en-US" sz="6600" b="1" dirty="0">
+                <a:solidFill>
+                  <a:sysClr val="windowText" lastClr="000000"/>
+                </a:solidFill>
+                <a:effectLst>
+                  <a:glow rad="127000">
+                    <a:prstClr val="white"/>
+                  </a:glow>
+                </a:effectLst>
+                <a:latin typeface="VNI-Times" pitchFamily="2" charset="0"/>
+              </a:rPr>
+              <a:t> </a:t>
+            </a:r>
+            <a:r>
+              <a:rPr lang="en-US" sz="6600" b="1" dirty="0" err="1">
+                <a:solidFill>
+                  <a:sysClr val="windowText" lastClr="000000"/>
+                </a:solidFill>
+                <a:effectLst>
+                  <a:glow rad="127000">
+                    <a:prstClr val="white"/>
+                  </a:glow>
+                </a:effectLst>
+                <a:latin typeface="VNI-Times" pitchFamily="2" charset="0"/>
+              </a:rPr>
+              <a:t>haùt</a:t>
+            </a:r>
+            <a:r>
+              <a:rPr lang="en-US" sz="6600" b="1" dirty="0">
+                <a:solidFill>
+                  <a:sysClr val="windowText" lastClr="000000"/>
+                </a:solidFill>
+                <a:effectLst>
+                  <a:glow rad="127000">
+                    <a:prstClr val="white"/>
+                  </a:glow>
+                </a:effectLst>
+                <a:latin typeface="VNI-Times" pitchFamily="2" charset="0"/>
+              </a:rPr>
+              <a:t> </a:t>
             </a:r>
             <a:br>
-              <a:rPr lang="en-US" sz="6600" b="1" smtClean="0">
-                <a:solidFill>
-                  <a:sysClr val="windowText" lastClr="000000"/>
-                </a:solidFill>
-                <a:effectLst>
-                  <a:glow rad="127000">
-                    <a:prstClr val="white"/>
-                  </a:glow>
-                </a:effectLst>
-                <a:latin typeface="VNI-Aptima" pitchFamily="2" charset="0"/>
+              <a:rPr lang="en-US" sz="6600" b="1" dirty="0">
+                <a:solidFill>
+                  <a:sysClr val="windowText" lastClr="000000"/>
+                </a:solidFill>
+                <a:effectLst>
+                  <a:glow rad="127000">
+                    <a:prstClr val="white"/>
+                  </a:glow>
+                </a:effectLst>
+                <a:latin typeface="VNI-Times" pitchFamily="2" charset="0"/>
               </a:rPr>
             </a:br>
             <a:r>
-              <a:rPr lang="en-US" sz="6600" b="1" smtClean="0">
-                <a:solidFill>
-                  <a:sysClr val="windowText" lastClr="000000"/>
-                </a:solidFill>
-                <a:effectLst>
-                  <a:glow rad="127000">
-                    <a:prstClr val="white"/>
-                  </a:glow>
-                </a:effectLst>
-                <a:latin typeface="VNI-Aptima" pitchFamily="2" charset="0"/>
-              </a:rPr>
-              <a:t>vang: Ha-leâ-lu-gia! </a:t>
+              <a:rPr lang="en-US" sz="6600" b="1" dirty="0" err="1">
+                <a:solidFill>
+                  <a:sysClr val="windowText" lastClr="000000"/>
+                </a:solidFill>
+                <a:effectLst>
+                  <a:glow rad="127000">
+                    <a:prstClr val="white"/>
+                  </a:glow>
+                </a:effectLst>
+                <a:latin typeface="VNI-Times" pitchFamily="2" charset="0"/>
+              </a:rPr>
+              <a:t>vang</a:t>
+            </a:r>
+            <a:r>
+              <a:rPr lang="en-US" sz="6600" b="1" dirty="0">
+                <a:solidFill>
+                  <a:sysClr val="windowText" lastClr="000000"/>
+                </a:solidFill>
+                <a:effectLst>
+                  <a:glow rad="127000">
+                    <a:prstClr val="white"/>
+                  </a:glow>
+                </a:effectLst>
+                <a:latin typeface="VNI-Times" pitchFamily="2" charset="0"/>
+              </a:rPr>
+              <a:t>: Ha-</a:t>
+            </a:r>
+            <a:r>
+              <a:rPr lang="en-US" sz="6600" b="1" dirty="0" err="1">
+                <a:solidFill>
+                  <a:sysClr val="windowText" lastClr="000000"/>
+                </a:solidFill>
+                <a:effectLst>
+                  <a:glow rad="127000">
+                    <a:prstClr val="white"/>
+                  </a:glow>
+                </a:effectLst>
+                <a:latin typeface="VNI-Times" pitchFamily="2" charset="0"/>
+              </a:rPr>
+              <a:t>leâ</a:t>
+            </a:r>
+            <a:r>
+              <a:rPr lang="en-US" sz="6600" b="1" dirty="0">
+                <a:solidFill>
+                  <a:sysClr val="windowText" lastClr="000000"/>
+                </a:solidFill>
+                <a:effectLst>
+                  <a:glow rad="127000">
+                    <a:prstClr val="white"/>
+                  </a:glow>
+                </a:effectLst>
+                <a:latin typeface="VNI-Times" pitchFamily="2" charset="0"/>
+              </a:rPr>
+              <a:t>-</a:t>
+            </a:r>
+            <a:r>
+              <a:rPr lang="en-US" sz="6600" b="1" dirty="0" err="1">
+                <a:solidFill>
+                  <a:sysClr val="windowText" lastClr="000000"/>
+                </a:solidFill>
+                <a:effectLst>
+                  <a:glow rad="127000">
+                    <a:prstClr val="white"/>
+                  </a:glow>
+                </a:effectLst>
+                <a:latin typeface="VNI-Times" pitchFamily="2" charset="0"/>
+              </a:rPr>
+              <a:t>lu-gia</a:t>
+            </a:r>
+            <a:r>
+              <a:rPr lang="en-US" sz="6600" b="1" dirty="0">
+                <a:solidFill>
+                  <a:sysClr val="windowText" lastClr="000000"/>
+                </a:solidFill>
+                <a:effectLst>
+                  <a:glow rad="127000">
+                    <a:prstClr val="white"/>
+                  </a:glow>
+                </a:effectLst>
+                <a:latin typeface="VNI-Times" pitchFamily="2" charset="0"/>
+              </a:rPr>
+              <a:t>! </a:t>
             </a:r>
           </a:p>
         </p:txBody>
@@ -3098,7 +4844,7 @@
           <a:p>
             <a:pPr algn="ctr"/>
             <a:r>
-              <a:rPr lang="en-US" sz="3400" smtClean="0">
+              <a:rPr lang="en-US" sz="3400" b="1" dirty="0">
                 <a:solidFill>
                   <a:srgbClr val="C00000"/>
                 </a:solidFill>
@@ -3107,7 +4853,7 @@
                     <a:prstClr val="white"/>
                   </a:glow>
                 </a:effectLst>
-                <a:latin typeface="HP-Kabel" pitchFamily="34" charset="0"/>
+                <a:latin typeface="VNI-Times" pitchFamily="2" charset="0"/>
               </a:rPr>
               <a:t>THAÙNH CA 59 – ÑEÂM YEÂN LAËNG</a:t>
             </a:r>
@@ -3124,21 +4870,6 @@
   <p:clrMapOvr>
     <a:overrideClrMapping bg1="lt1" tx1="dk1" bg2="lt2" tx2="dk2" accent1="accent1" accent2="accent2" accent3="accent3" accent4="accent4" accent5="accent5" accent6="accent6" hlink="hlink" folHlink="folHlink"/>
   </p:clrMapOvr>
-  <mc:AlternateContent xmlns:mc="http://schemas.openxmlformats.org/markup-compatibility/2006" xmlns:p14="http://schemas.microsoft.com/office/powerpoint/2010/main">
-    <mc:Choice Requires="p14">
-      <p:transition p14:dur="0"/>
-    </mc:Choice>
-    <mc:Fallback xmlns="">
-      <p:transition/>
-    </mc:Fallback>
-  </mc:AlternateContent>
-  <p:timing>
-    <p:tnLst>
-      <p:par>
-        <p:cTn id="1" dur="indefinite" restart="never" nodeType="tmRoot"/>
-      </p:par>
-    </p:tnLst>
-  </p:timing>
 </p:sld>
 </file>
 
@@ -3197,99 +4928,351 @@
           <a:p>
             <a:pPr algn="ctr"/>
             <a:r>
-              <a:rPr lang="en-US" sz="6600" b="1" smtClean="0">
-                <a:solidFill>
-                  <a:sysClr val="windowText" lastClr="000000"/>
-                </a:solidFill>
-                <a:effectLst>
-                  <a:glow rad="127000">
-                    <a:prstClr val="white"/>
-                  </a:glow>
-                </a:effectLst>
-                <a:latin typeface="VNI-Aptima" pitchFamily="2" charset="0"/>
-              </a:rPr>
-              <a:t>Cöùu Chuùa giaùng </a:t>
+              <a:rPr lang="en-US" sz="6600" b="1" dirty="0" err="1">
+                <a:solidFill>
+                  <a:sysClr val="windowText" lastClr="000000"/>
+                </a:solidFill>
+                <a:effectLst>
+                  <a:glow rad="127000">
+                    <a:prstClr val="white"/>
+                  </a:glow>
+                </a:effectLst>
+                <a:latin typeface="VNI-Times" pitchFamily="2" charset="0"/>
+              </a:rPr>
+              <a:t>Cöùu</a:t>
+            </a:r>
+            <a:r>
+              <a:rPr lang="en-US" sz="6600" b="1" dirty="0">
+                <a:solidFill>
+                  <a:sysClr val="windowText" lastClr="000000"/>
+                </a:solidFill>
+                <a:effectLst>
+                  <a:glow rad="127000">
+                    <a:prstClr val="white"/>
+                  </a:glow>
+                </a:effectLst>
+                <a:latin typeface="VNI-Times" pitchFamily="2" charset="0"/>
+              </a:rPr>
+              <a:t> </a:t>
+            </a:r>
+            <a:r>
+              <a:rPr lang="en-US" sz="6600" b="1" dirty="0" err="1">
+                <a:solidFill>
+                  <a:sysClr val="windowText" lastClr="000000"/>
+                </a:solidFill>
+                <a:effectLst>
+                  <a:glow rad="127000">
+                    <a:prstClr val="white"/>
+                  </a:glow>
+                </a:effectLst>
+                <a:latin typeface="VNI-Times" pitchFamily="2" charset="0"/>
+              </a:rPr>
+              <a:t>Chuùa</a:t>
+            </a:r>
+            <a:r>
+              <a:rPr lang="en-US" sz="6600" b="1" dirty="0">
+                <a:solidFill>
+                  <a:sysClr val="windowText" lastClr="000000"/>
+                </a:solidFill>
+                <a:effectLst>
+                  <a:glow rad="127000">
+                    <a:prstClr val="white"/>
+                  </a:glow>
+                </a:effectLst>
+                <a:latin typeface="VNI-Times" pitchFamily="2" charset="0"/>
+              </a:rPr>
+              <a:t> </a:t>
+            </a:r>
+            <a:r>
+              <a:rPr lang="en-US" sz="6600" b="1" dirty="0" err="1">
+                <a:solidFill>
+                  <a:sysClr val="windowText" lastClr="000000"/>
+                </a:solidFill>
+                <a:effectLst>
+                  <a:glow rad="127000">
+                    <a:prstClr val="white"/>
+                  </a:glow>
+                </a:effectLst>
+                <a:latin typeface="VNI-Times" pitchFamily="2" charset="0"/>
+              </a:rPr>
+              <a:t>giaùng</a:t>
+            </a:r>
+            <a:r>
+              <a:rPr lang="en-US" sz="6600" b="1" dirty="0">
+                <a:solidFill>
+                  <a:sysClr val="windowText" lastClr="000000"/>
+                </a:solidFill>
+                <a:effectLst>
+                  <a:glow rad="127000">
+                    <a:prstClr val="white"/>
+                  </a:glow>
+                </a:effectLst>
+                <a:latin typeface="VNI-Times" pitchFamily="2" charset="0"/>
+              </a:rPr>
+              <a:t> </a:t>
             </a:r>
             <a:br>
-              <a:rPr lang="en-US" sz="6600" b="1" smtClean="0">
-                <a:solidFill>
-                  <a:sysClr val="windowText" lastClr="000000"/>
-                </a:solidFill>
-                <a:effectLst>
-                  <a:glow rad="127000">
-                    <a:prstClr val="white"/>
-                  </a:glow>
-                </a:effectLst>
-                <a:latin typeface="VNI-Aptima" pitchFamily="2" charset="0"/>
+              <a:rPr lang="en-US" sz="6600" b="1" dirty="0">
+                <a:solidFill>
+                  <a:sysClr val="windowText" lastClr="000000"/>
+                </a:solidFill>
+                <a:effectLst>
+                  <a:glow rad="127000">
+                    <a:prstClr val="white"/>
+                  </a:glow>
+                </a:effectLst>
+                <a:latin typeface="VNI-Times" pitchFamily="2" charset="0"/>
               </a:rPr>
             </a:br>
             <a:r>
-              <a:rPr lang="en-US" sz="6600" b="1" smtClean="0">
-                <a:solidFill>
-                  <a:sysClr val="windowText" lastClr="000000"/>
-                </a:solidFill>
-                <a:effectLst>
-                  <a:glow rad="127000">
-                    <a:prstClr val="white"/>
-                  </a:glow>
-                </a:effectLst>
-                <a:latin typeface="VNI-Aptima" pitchFamily="2" charset="0"/>
-              </a:rPr>
-              <a:t>laâm traàn theá, </a:t>
+              <a:rPr lang="en-US" sz="6600" b="1" dirty="0" err="1">
+                <a:solidFill>
+                  <a:sysClr val="windowText" lastClr="000000"/>
+                </a:solidFill>
+                <a:effectLst>
+                  <a:glow rad="127000">
+                    <a:prstClr val="white"/>
+                  </a:glow>
+                </a:effectLst>
+                <a:latin typeface="VNI-Times" pitchFamily="2" charset="0"/>
+              </a:rPr>
+              <a:t>laâm</a:t>
+            </a:r>
+            <a:r>
+              <a:rPr lang="en-US" sz="6600" b="1" dirty="0">
+                <a:solidFill>
+                  <a:sysClr val="windowText" lastClr="000000"/>
+                </a:solidFill>
+                <a:effectLst>
+                  <a:glow rad="127000">
+                    <a:prstClr val="white"/>
+                  </a:glow>
+                </a:effectLst>
+                <a:latin typeface="VNI-Times" pitchFamily="2" charset="0"/>
+              </a:rPr>
+              <a:t> </a:t>
+            </a:r>
+            <a:r>
+              <a:rPr lang="en-US" sz="6600" b="1" dirty="0" err="1">
+                <a:solidFill>
+                  <a:sysClr val="windowText" lastClr="000000"/>
+                </a:solidFill>
+                <a:effectLst>
+                  <a:glow rad="127000">
+                    <a:prstClr val="white"/>
+                  </a:glow>
+                </a:effectLst>
+                <a:latin typeface="VNI-Times" pitchFamily="2" charset="0"/>
+              </a:rPr>
+              <a:t>traàn</a:t>
+            </a:r>
+            <a:r>
+              <a:rPr lang="en-US" sz="6600" b="1" dirty="0">
+                <a:solidFill>
+                  <a:sysClr val="windowText" lastClr="000000"/>
+                </a:solidFill>
+                <a:effectLst>
+                  <a:glow rad="127000">
+                    <a:prstClr val="white"/>
+                  </a:glow>
+                </a:effectLst>
+                <a:latin typeface="VNI-Times" pitchFamily="2" charset="0"/>
+              </a:rPr>
+              <a:t> </a:t>
+            </a:r>
+            <a:r>
+              <a:rPr lang="en-US" sz="6600" b="1" dirty="0" err="1">
+                <a:solidFill>
+                  <a:sysClr val="windowText" lastClr="000000"/>
+                </a:solidFill>
+                <a:effectLst>
+                  <a:glow rad="127000">
+                    <a:prstClr val="white"/>
+                  </a:glow>
+                </a:effectLst>
+                <a:latin typeface="VNI-Times" pitchFamily="2" charset="0"/>
+              </a:rPr>
+              <a:t>theá</a:t>
+            </a:r>
+            <a:r>
+              <a:rPr lang="en-US" sz="6600" b="1" dirty="0">
+                <a:solidFill>
+                  <a:sysClr val="windowText" lastClr="000000"/>
+                </a:solidFill>
+                <a:effectLst>
+                  <a:glow rad="127000">
+                    <a:prstClr val="white"/>
+                  </a:glow>
+                </a:effectLst>
+                <a:latin typeface="VNI-Times" pitchFamily="2" charset="0"/>
+              </a:rPr>
+              <a:t>, </a:t>
             </a:r>
             <a:br>
-              <a:rPr lang="en-US" sz="6600" b="1" smtClean="0">
-                <a:solidFill>
-                  <a:sysClr val="windowText" lastClr="000000"/>
-                </a:solidFill>
-                <a:effectLst>
-                  <a:glow rad="127000">
-                    <a:prstClr val="white"/>
-                  </a:glow>
-                </a:effectLst>
-                <a:latin typeface="VNI-Aptima" pitchFamily="2" charset="0"/>
+              <a:rPr lang="en-US" sz="6600" b="1" dirty="0">
+                <a:solidFill>
+                  <a:sysClr val="windowText" lastClr="000000"/>
+                </a:solidFill>
+                <a:effectLst>
+                  <a:glow rad="127000">
+                    <a:prstClr val="white"/>
+                  </a:glow>
+                </a:effectLst>
+                <a:latin typeface="VNI-Times" pitchFamily="2" charset="0"/>
               </a:rPr>
             </a:br>
             <a:r>
-              <a:rPr lang="en-US" sz="6600" b="1" smtClean="0">
-                <a:solidFill>
-                  <a:sysClr val="windowText" lastClr="000000"/>
-                </a:solidFill>
-                <a:effectLst>
-                  <a:glow rad="127000">
-                    <a:prstClr val="white"/>
-                  </a:glow>
-                </a:effectLst>
-                <a:latin typeface="VNI-Aptima" pitchFamily="2" charset="0"/>
-              </a:rPr>
-              <a:t>Jeâsus giaùng sinh </a:t>
+              <a:rPr lang="en-US" sz="6600" b="1" dirty="0" err="1">
+                <a:solidFill>
+                  <a:sysClr val="windowText" lastClr="000000"/>
+                </a:solidFill>
+                <a:effectLst>
+                  <a:glow rad="127000">
+                    <a:prstClr val="white"/>
+                  </a:glow>
+                </a:effectLst>
+                <a:latin typeface="VNI-Times" pitchFamily="2" charset="0"/>
+              </a:rPr>
+              <a:t>Jeâsus</a:t>
+            </a:r>
+            <a:r>
+              <a:rPr lang="en-US" sz="6600" b="1" dirty="0">
+                <a:solidFill>
+                  <a:sysClr val="windowText" lastClr="000000"/>
+                </a:solidFill>
+                <a:effectLst>
+                  <a:glow rad="127000">
+                    <a:prstClr val="white"/>
+                  </a:glow>
+                </a:effectLst>
+                <a:latin typeface="VNI-Times" pitchFamily="2" charset="0"/>
+              </a:rPr>
+              <a:t> </a:t>
+            </a:r>
+            <a:r>
+              <a:rPr lang="en-US" sz="6600" b="1" dirty="0" err="1">
+                <a:solidFill>
+                  <a:sysClr val="windowText" lastClr="000000"/>
+                </a:solidFill>
+                <a:effectLst>
+                  <a:glow rad="127000">
+                    <a:prstClr val="white"/>
+                  </a:glow>
+                </a:effectLst>
+                <a:latin typeface="VNI-Times" pitchFamily="2" charset="0"/>
+              </a:rPr>
+              <a:t>giaùng</a:t>
+            </a:r>
+            <a:r>
+              <a:rPr lang="en-US" sz="6600" b="1" dirty="0">
+                <a:solidFill>
+                  <a:sysClr val="windowText" lastClr="000000"/>
+                </a:solidFill>
+                <a:effectLst>
+                  <a:glow rad="127000">
+                    <a:prstClr val="white"/>
+                  </a:glow>
+                </a:effectLst>
+                <a:latin typeface="VNI-Times" pitchFamily="2" charset="0"/>
+              </a:rPr>
+              <a:t> </a:t>
+            </a:r>
+            <a:r>
+              <a:rPr lang="en-US" sz="6600" b="1" dirty="0" err="1">
+                <a:solidFill>
+                  <a:sysClr val="windowText" lastClr="000000"/>
+                </a:solidFill>
+                <a:effectLst>
+                  <a:glow rad="127000">
+                    <a:prstClr val="white"/>
+                  </a:glow>
+                </a:effectLst>
+                <a:latin typeface="VNI-Times" pitchFamily="2" charset="0"/>
+              </a:rPr>
+              <a:t>sinh</a:t>
+            </a:r>
+            <a:r>
+              <a:rPr lang="en-US" sz="6600" b="1" dirty="0">
+                <a:solidFill>
+                  <a:sysClr val="windowText" lastClr="000000"/>
+                </a:solidFill>
+                <a:effectLst>
+                  <a:glow rad="127000">
+                    <a:prstClr val="white"/>
+                  </a:glow>
+                </a:effectLst>
+                <a:latin typeface="VNI-Times" pitchFamily="2" charset="0"/>
+              </a:rPr>
+              <a:t> </a:t>
             </a:r>
             <a:br>
-              <a:rPr lang="en-US" sz="6600" b="1" smtClean="0">
-                <a:solidFill>
-                  <a:sysClr val="windowText" lastClr="000000"/>
-                </a:solidFill>
-                <a:effectLst>
-                  <a:glow rad="127000">
-                    <a:prstClr val="white"/>
-                  </a:glow>
-                </a:effectLst>
-                <a:latin typeface="VNI-Aptima" pitchFamily="2" charset="0"/>
+              <a:rPr lang="en-US" sz="6600" b="1" dirty="0">
+                <a:solidFill>
+                  <a:sysClr val="windowText" lastClr="000000"/>
+                </a:solidFill>
+                <a:effectLst>
+                  <a:glow rad="127000">
+                    <a:prstClr val="white"/>
+                  </a:glow>
+                </a:effectLst>
+                <a:latin typeface="VNI-Times" pitchFamily="2" charset="0"/>
               </a:rPr>
             </a:br>
             <a:r>
-              <a:rPr lang="en-US" sz="6600" b="1" smtClean="0">
-                <a:solidFill>
-                  <a:sysClr val="windowText" lastClr="000000"/>
-                </a:solidFill>
-                <a:effectLst>
-                  <a:glow rad="127000">
-                    <a:prstClr val="white"/>
-                  </a:glow>
-                </a:effectLst>
-                <a:latin typeface="VNI-Aptima" pitchFamily="2" charset="0"/>
-              </a:rPr>
-              <a:t>ñeâm naày.</a:t>
+              <a:rPr lang="en-US" sz="6600" b="1" dirty="0" err="1">
+                <a:solidFill>
+                  <a:sysClr val="windowText" lastClr="000000"/>
+                </a:solidFill>
+                <a:effectLst>
+                  <a:glow rad="127000">
+                    <a:prstClr val="white"/>
+                  </a:glow>
+                </a:effectLst>
+                <a:latin typeface="VNI-Times" pitchFamily="2" charset="0"/>
+              </a:rPr>
+              <a:t>ñeâm</a:t>
+            </a:r>
+            <a:r>
+              <a:rPr lang="en-US" sz="6600" b="1" dirty="0">
+                <a:solidFill>
+                  <a:sysClr val="windowText" lastClr="000000"/>
+                </a:solidFill>
+                <a:effectLst>
+                  <a:glow rad="127000">
+                    <a:prstClr val="white"/>
+                  </a:glow>
+                </a:effectLst>
+                <a:latin typeface="VNI-Times" pitchFamily="2" charset="0"/>
+              </a:rPr>
+              <a:t> </a:t>
+            </a:r>
+            <a:r>
+              <a:rPr lang="en-US" sz="6600" b="1" dirty="0" err="1">
+                <a:solidFill>
+                  <a:sysClr val="windowText" lastClr="000000"/>
+                </a:solidFill>
+                <a:effectLst>
+                  <a:glow rad="127000">
+                    <a:prstClr val="white"/>
+                  </a:glow>
+                </a:effectLst>
+                <a:latin typeface="VNI-Times" pitchFamily="2" charset="0"/>
+              </a:rPr>
+              <a:t>naày</a:t>
+            </a:r>
+            <a:r>
+              <a:rPr lang="en-US" sz="6600" b="1" dirty="0">
+                <a:solidFill>
+                  <a:sysClr val="windowText" lastClr="000000"/>
+                </a:solidFill>
+                <a:effectLst>
+                  <a:glow rad="127000">
+                    <a:prstClr val="white"/>
+                  </a:glow>
+                </a:effectLst>
+                <a:latin typeface="VNI-Times" pitchFamily="2" charset="0"/>
+              </a:rPr>
+              <a:t>.</a:t>
             </a:r>
           </a:p>
         </p:txBody>
@@ -3318,7 +5301,7 @@
           <a:p>
             <a:pPr algn="ctr"/>
             <a:r>
-              <a:rPr lang="en-US" sz="3400" smtClean="0">
+              <a:rPr lang="en-US" sz="3400" b="1" dirty="0">
                 <a:solidFill>
                   <a:srgbClr val="C00000"/>
                 </a:solidFill>
@@ -3327,7 +5310,7 @@
                     <a:prstClr val="white"/>
                   </a:glow>
                 </a:effectLst>
-                <a:latin typeface="HP-Kabel" pitchFamily="34" charset="0"/>
+                <a:latin typeface="VNI-Times" pitchFamily="2" charset="0"/>
               </a:rPr>
               <a:t>THAÙNH CA 59 – ÑEÂM YEÂN LAËNG</a:t>
             </a:r>
@@ -3344,21 +5327,6 @@
   <p:clrMapOvr>
     <a:overrideClrMapping bg1="lt1" tx1="dk1" bg2="lt2" tx2="dk2" accent1="accent1" accent2="accent2" accent3="accent3" accent4="accent4" accent5="accent5" accent6="accent6" hlink="hlink" folHlink="folHlink"/>
   </p:clrMapOvr>
-  <mc:AlternateContent xmlns:mc="http://schemas.openxmlformats.org/markup-compatibility/2006" xmlns:p14="http://schemas.microsoft.com/office/powerpoint/2010/main">
-    <mc:Choice Requires="p14">
-      <p:transition p14:dur="0"/>
-    </mc:Choice>
-    <mc:Fallback xmlns="">
-      <p:transition/>
-    </mc:Fallback>
-  </mc:AlternateContent>
-  <p:timing>
-    <p:tnLst>
-      <p:par>
-        <p:cTn id="1" dur="indefinite" restart="never" nodeType="tmRoot"/>
-      </p:par>
-    </p:tnLst>
-  </p:timing>
 </p:sld>
 </file>
 
@@ -3403,7 +5371,7 @@
           <a:p>
             <a:pPr algn="ctr"/>
             <a:r>
-              <a:rPr lang="en-US" sz="3400" smtClean="0">
+              <a:rPr lang="en-US" sz="3400" b="1" dirty="0">
                 <a:solidFill>
                   <a:srgbClr val="C00000"/>
                 </a:solidFill>
@@ -3412,7 +5380,7 @@
                     <a:prstClr val="white"/>
                   </a:glow>
                 </a:effectLst>
-                <a:latin typeface="HP-Kabel" pitchFamily="34" charset="0"/>
+                <a:latin typeface="VNI-Times" pitchFamily="2" charset="0"/>
               </a:rPr>
               <a:t>THAÙNH CA 59 – ÑEÂM YEÂN LAËNG</a:t>
             </a:r>
@@ -3443,129 +5411,381 @@
           <a:p>
             <a:pPr algn="ctr"/>
             <a:r>
-              <a:rPr lang="en-US" sz="4000" b="1" smtClean="0">
-                <a:solidFill>
-                  <a:sysClr val="windowText" lastClr="000000"/>
-                </a:solidFill>
-                <a:effectLst>
-                  <a:glow rad="127000">
-                    <a:prstClr val="white"/>
-                  </a:glow>
-                </a:effectLst>
-                <a:latin typeface="VNI-Aptima" pitchFamily="2" charset="0"/>
+              <a:rPr lang="en-US" sz="4000" b="1" dirty="0">
+                <a:solidFill>
+                  <a:sysClr val="windowText" lastClr="000000"/>
+                </a:solidFill>
+                <a:effectLst>
+                  <a:glow rad="127000">
+                    <a:prstClr val="white"/>
+                  </a:glow>
+                </a:effectLst>
+                <a:latin typeface="VNI-Times" pitchFamily="2" charset="0"/>
               </a:rPr>
               <a:t>3.</a:t>
             </a:r>
             <a:r>
-              <a:rPr lang="en-US" sz="6600" b="1" smtClean="0">
-                <a:solidFill>
-                  <a:sysClr val="windowText" lastClr="000000"/>
-                </a:solidFill>
-                <a:effectLst>
-                  <a:glow rad="127000">
-                    <a:prstClr val="white"/>
-                  </a:glow>
-                </a:effectLst>
-                <a:latin typeface="VNI-Aptima" pitchFamily="2" charset="0"/>
-              </a:rPr>
-              <a:t> </a:t>
-            </a:r>
-            <a:r>
-              <a:rPr lang="en-US" sz="6600" b="1" smtClean="0">
-                <a:solidFill>
-                  <a:sysClr val="windowText" lastClr="000000"/>
-                </a:solidFill>
-                <a:effectLst>
-                  <a:glow rad="127000">
-                    <a:schemeClr val="bg1"/>
-                  </a:glow>
-                </a:effectLst>
-                <a:latin typeface="VNI-Aptima" pitchFamily="2" charset="0"/>
-              </a:rPr>
-              <a:t>Ñeâm yeân laëng! </a:t>
+              <a:rPr lang="en-US" sz="6600" b="1" dirty="0">
+                <a:solidFill>
+                  <a:sysClr val="windowText" lastClr="000000"/>
+                </a:solidFill>
+                <a:effectLst>
+                  <a:glow rad="127000">
+                    <a:prstClr val="white"/>
+                  </a:glow>
+                </a:effectLst>
+                <a:latin typeface="VNI-Times" pitchFamily="2" charset="0"/>
+              </a:rPr>
+              <a:t> </a:t>
+            </a:r>
+            <a:r>
+              <a:rPr lang="en-US" sz="6600" b="1" dirty="0" err="1">
+                <a:solidFill>
+                  <a:sysClr val="windowText" lastClr="000000"/>
+                </a:solidFill>
+                <a:effectLst>
+                  <a:glow rad="127000">
+                    <a:schemeClr val="bg1"/>
+                  </a:glow>
+                </a:effectLst>
+                <a:latin typeface="VNI-Times" pitchFamily="2" charset="0"/>
+              </a:rPr>
+              <a:t>Ñeâm</a:t>
+            </a:r>
+            <a:r>
+              <a:rPr lang="en-US" sz="6600" b="1" dirty="0">
+                <a:solidFill>
+                  <a:sysClr val="windowText" lastClr="000000"/>
+                </a:solidFill>
+                <a:effectLst>
+                  <a:glow rad="127000">
+                    <a:schemeClr val="bg1"/>
+                  </a:glow>
+                </a:effectLst>
+                <a:latin typeface="VNI-Times" pitchFamily="2" charset="0"/>
+              </a:rPr>
+              <a:t> </a:t>
+            </a:r>
+            <a:r>
+              <a:rPr lang="en-US" sz="6600" b="1" dirty="0" err="1">
+                <a:solidFill>
+                  <a:sysClr val="windowText" lastClr="000000"/>
+                </a:solidFill>
+                <a:effectLst>
+                  <a:glow rad="127000">
+                    <a:schemeClr val="bg1"/>
+                  </a:glow>
+                </a:effectLst>
+                <a:latin typeface="VNI-Times" pitchFamily="2" charset="0"/>
+              </a:rPr>
+              <a:t>yeân</a:t>
+            </a:r>
+            <a:r>
+              <a:rPr lang="en-US" sz="6600" b="1" dirty="0">
+                <a:solidFill>
+                  <a:sysClr val="windowText" lastClr="000000"/>
+                </a:solidFill>
+                <a:effectLst>
+                  <a:glow rad="127000">
+                    <a:schemeClr val="bg1"/>
+                  </a:glow>
+                </a:effectLst>
+                <a:latin typeface="VNI-Times" pitchFamily="2" charset="0"/>
+              </a:rPr>
+              <a:t> </a:t>
+            </a:r>
+            <a:r>
+              <a:rPr lang="en-US" sz="6600" b="1" dirty="0" err="1">
+                <a:solidFill>
+                  <a:sysClr val="windowText" lastClr="000000"/>
+                </a:solidFill>
+                <a:effectLst>
+                  <a:glow rad="127000">
+                    <a:schemeClr val="bg1"/>
+                  </a:glow>
+                </a:effectLst>
+                <a:latin typeface="VNI-Times" pitchFamily="2" charset="0"/>
+              </a:rPr>
+              <a:t>laëng</a:t>
+            </a:r>
+            <a:r>
+              <a:rPr lang="en-US" sz="6600" b="1" dirty="0">
+                <a:solidFill>
+                  <a:sysClr val="windowText" lastClr="000000"/>
+                </a:solidFill>
+                <a:effectLst>
+                  <a:glow rad="127000">
+                    <a:schemeClr val="bg1"/>
+                  </a:glow>
+                </a:effectLst>
+                <a:latin typeface="VNI-Times" pitchFamily="2" charset="0"/>
+              </a:rPr>
+              <a:t>! </a:t>
             </a:r>
             <a:br>
-              <a:rPr lang="en-US" sz="6600" b="1" smtClean="0">
-                <a:solidFill>
-                  <a:sysClr val="windowText" lastClr="000000"/>
-                </a:solidFill>
-                <a:effectLst>
-                  <a:glow rad="127000">
-                    <a:schemeClr val="bg1"/>
-                  </a:glow>
-                </a:effectLst>
-                <a:latin typeface="VNI-Aptima" pitchFamily="2" charset="0"/>
+              <a:rPr lang="en-US" sz="6600" b="1" dirty="0">
+                <a:solidFill>
+                  <a:sysClr val="windowText" lastClr="000000"/>
+                </a:solidFill>
+                <a:effectLst>
+                  <a:glow rad="127000">
+                    <a:schemeClr val="bg1"/>
+                  </a:glow>
+                </a:effectLst>
+                <a:latin typeface="VNI-Times" pitchFamily="2" charset="0"/>
               </a:rPr>
             </a:br>
             <a:r>
-              <a:rPr lang="en-US" sz="6600" b="1" smtClean="0">
-                <a:solidFill>
-                  <a:sysClr val="windowText" lastClr="000000"/>
-                </a:solidFill>
-                <a:effectLst>
-                  <a:glow rad="127000">
-                    <a:schemeClr val="bg1"/>
-                  </a:glow>
-                </a:effectLst>
-                <a:latin typeface="VNI-Aptima" pitchFamily="2" charset="0"/>
-              </a:rPr>
-              <a:t>Ñeâm thaùnh naày!  </a:t>
+              <a:rPr lang="en-US" sz="6600" b="1" dirty="0" err="1">
+                <a:solidFill>
+                  <a:sysClr val="windowText" lastClr="000000"/>
+                </a:solidFill>
+                <a:effectLst>
+                  <a:glow rad="127000">
+                    <a:schemeClr val="bg1"/>
+                  </a:glow>
+                </a:effectLst>
+                <a:latin typeface="VNI-Times" pitchFamily="2" charset="0"/>
+              </a:rPr>
+              <a:t>Ñeâm</a:t>
+            </a:r>
+            <a:r>
+              <a:rPr lang="en-US" sz="6600" b="1" dirty="0">
+                <a:solidFill>
+                  <a:sysClr val="windowText" lastClr="000000"/>
+                </a:solidFill>
+                <a:effectLst>
+                  <a:glow rad="127000">
+                    <a:schemeClr val="bg1"/>
+                  </a:glow>
+                </a:effectLst>
+                <a:latin typeface="VNI-Times" pitchFamily="2" charset="0"/>
+              </a:rPr>
+              <a:t> </a:t>
+            </a:r>
+            <a:r>
+              <a:rPr lang="en-US" sz="6600" b="1" dirty="0" err="1">
+                <a:solidFill>
+                  <a:sysClr val="windowText" lastClr="000000"/>
+                </a:solidFill>
+                <a:effectLst>
+                  <a:glow rad="127000">
+                    <a:schemeClr val="bg1"/>
+                  </a:glow>
+                </a:effectLst>
+                <a:latin typeface="VNI-Times" pitchFamily="2" charset="0"/>
+              </a:rPr>
+              <a:t>thaùnh</a:t>
+            </a:r>
+            <a:r>
+              <a:rPr lang="en-US" sz="6600" b="1" dirty="0">
+                <a:solidFill>
+                  <a:sysClr val="windowText" lastClr="000000"/>
+                </a:solidFill>
+                <a:effectLst>
+                  <a:glow rad="127000">
+                    <a:schemeClr val="bg1"/>
+                  </a:glow>
+                </a:effectLst>
+                <a:latin typeface="VNI-Times" pitchFamily="2" charset="0"/>
+              </a:rPr>
+              <a:t> </a:t>
+            </a:r>
+            <a:r>
+              <a:rPr lang="en-US" sz="6600" b="1" dirty="0" err="1">
+                <a:solidFill>
+                  <a:sysClr val="windowText" lastClr="000000"/>
+                </a:solidFill>
+                <a:effectLst>
+                  <a:glow rad="127000">
+                    <a:schemeClr val="bg1"/>
+                  </a:glow>
+                </a:effectLst>
+                <a:latin typeface="VNI-Times" pitchFamily="2" charset="0"/>
+              </a:rPr>
+              <a:t>naày</a:t>
+            </a:r>
+            <a:r>
+              <a:rPr lang="en-US" sz="6600" b="1" dirty="0">
+                <a:solidFill>
+                  <a:sysClr val="windowText" lastClr="000000"/>
+                </a:solidFill>
+                <a:effectLst>
+                  <a:glow rad="127000">
+                    <a:schemeClr val="bg1"/>
+                  </a:glow>
+                </a:effectLst>
+                <a:latin typeface="VNI-Times" pitchFamily="2" charset="0"/>
+              </a:rPr>
+              <a:t>!  </a:t>
             </a:r>
             <a:br>
-              <a:rPr lang="en-US" sz="6600" b="1" smtClean="0">
-                <a:solidFill>
-                  <a:sysClr val="windowText" lastClr="000000"/>
-                </a:solidFill>
-                <a:effectLst>
-                  <a:glow rad="127000">
-                    <a:schemeClr val="bg1"/>
-                  </a:glow>
-                </a:effectLst>
-                <a:latin typeface="VNI-Aptima" pitchFamily="2" charset="0"/>
+              <a:rPr lang="en-US" sz="6600" b="1" dirty="0">
+                <a:solidFill>
+                  <a:sysClr val="windowText" lastClr="000000"/>
+                </a:solidFill>
+                <a:effectLst>
+                  <a:glow rad="127000">
+                    <a:schemeClr val="bg1"/>
+                  </a:glow>
+                </a:effectLst>
+                <a:latin typeface="VNI-Times" pitchFamily="2" charset="0"/>
               </a:rPr>
             </a:br>
             <a:r>
-              <a:rPr lang="en-US" sz="6600" b="1" smtClean="0">
-                <a:solidFill>
-                  <a:sysClr val="windowText" lastClr="000000"/>
-                </a:solidFill>
-                <a:effectLst>
-                  <a:glow rad="127000">
-                    <a:schemeClr val="bg1"/>
-                  </a:glow>
-                </a:effectLst>
-                <a:latin typeface="VNI-Aptima" pitchFamily="2" charset="0"/>
-              </a:rPr>
-              <a:t>Ñöùc Chuùa Con, </a:t>
+              <a:rPr lang="en-US" sz="6600" b="1" dirty="0" err="1">
+                <a:solidFill>
+                  <a:sysClr val="windowText" lastClr="000000"/>
+                </a:solidFill>
+                <a:effectLst>
+                  <a:glow rad="127000">
+                    <a:schemeClr val="bg1"/>
+                  </a:glow>
+                </a:effectLst>
+                <a:latin typeface="VNI-Times" pitchFamily="2" charset="0"/>
+              </a:rPr>
+              <a:t>Ñöùc</a:t>
+            </a:r>
+            <a:r>
+              <a:rPr lang="en-US" sz="6600" b="1" dirty="0">
+                <a:solidFill>
+                  <a:sysClr val="windowText" lastClr="000000"/>
+                </a:solidFill>
+                <a:effectLst>
+                  <a:glow rad="127000">
+                    <a:schemeClr val="bg1"/>
+                  </a:glow>
+                </a:effectLst>
+                <a:latin typeface="VNI-Times" pitchFamily="2" charset="0"/>
+              </a:rPr>
+              <a:t> </a:t>
+            </a:r>
+            <a:r>
+              <a:rPr lang="en-US" sz="6600" b="1" dirty="0" err="1">
+                <a:solidFill>
+                  <a:sysClr val="windowText" lastClr="000000"/>
+                </a:solidFill>
+                <a:effectLst>
+                  <a:glow rad="127000">
+                    <a:schemeClr val="bg1"/>
+                  </a:glow>
+                </a:effectLst>
+                <a:latin typeface="VNI-Times" pitchFamily="2" charset="0"/>
+              </a:rPr>
+              <a:t>Chuùa</a:t>
+            </a:r>
+            <a:r>
+              <a:rPr lang="en-US" sz="6600" b="1" dirty="0">
+                <a:solidFill>
+                  <a:sysClr val="windowText" lastClr="000000"/>
+                </a:solidFill>
+                <a:effectLst>
+                  <a:glow rad="127000">
+                    <a:schemeClr val="bg1"/>
+                  </a:glow>
+                </a:effectLst>
+                <a:latin typeface="VNI-Times" pitchFamily="2" charset="0"/>
+              </a:rPr>
+              <a:t> Con, </a:t>
             </a:r>
             <a:br>
-              <a:rPr lang="en-US" sz="6600" b="1" smtClean="0">
-                <a:solidFill>
-                  <a:sysClr val="windowText" lastClr="000000"/>
-                </a:solidFill>
-                <a:effectLst>
-                  <a:glow rad="127000">
-                    <a:schemeClr val="bg1"/>
-                  </a:glow>
-                </a:effectLst>
-                <a:latin typeface="VNI-Aptima" pitchFamily="2" charset="0"/>
+              <a:rPr lang="en-US" sz="6600" b="1" dirty="0">
+                <a:solidFill>
+                  <a:sysClr val="windowText" lastClr="000000"/>
+                </a:solidFill>
+                <a:effectLst>
+                  <a:glow rad="127000">
+                    <a:schemeClr val="bg1"/>
+                  </a:glow>
+                </a:effectLst>
+                <a:latin typeface="VNI-Times" pitchFamily="2" charset="0"/>
               </a:rPr>
             </a:br>
             <a:r>
-              <a:rPr lang="en-US" sz="6600" b="1" smtClean="0">
-                <a:solidFill>
-                  <a:sysClr val="windowText" lastClr="000000"/>
-                </a:solidFill>
-                <a:effectLst>
-                  <a:glow rad="127000">
-                    <a:schemeClr val="bg1"/>
-                  </a:glow>
-                </a:effectLst>
-                <a:latin typeface="VNI-Aptima" pitchFamily="2" charset="0"/>
-              </a:rPr>
-              <a:t>yeâu thöông ñaày. </a:t>
-            </a:r>
-            <a:endParaRPr lang="en-US" sz="6600" b="1">
+              <a:rPr lang="en-US" sz="6600" b="1" dirty="0" err="1">
+                <a:solidFill>
+                  <a:sysClr val="windowText" lastClr="000000"/>
+                </a:solidFill>
+                <a:effectLst>
+                  <a:glow rad="127000">
+                    <a:schemeClr val="bg1"/>
+                  </a:glow>
+                </a:effectLst>
+                <a:latin typeface="VNI-Times" pitchFamily="2" charset="0"/>
+              </a:rPr>
+              <a:t>yeâu</a:t>
+            </a:r>
+            <a:r>
+              <a:rPr lang="en-US" sz="6600" b="1" dirty="0">
+                <a:solidFill>
+                  <a:sysClr val="windowText" lastClr="000000"/>
+                </a:solidFill>
+                <a:effectLst>
+                  <a:glow rad="127000">
+                    <a:schemeClr val="bg1"/>
+                  </a:glow>
+                </a:effectLst>
+                <a:latin typeface="VNI-Times" pitchFamily="2" charset="0"/>
+              </a:rPr>
+              <a:t> </a:t>
+            </a:r>
+            <a:r>
+              <a:rPr lang="en-US" sz="6600" b="1" dirty="0" err="1">
+                <a:solidFill>
+                  <a:sysClr val="windowText" lastClr="000000"/>
+                </a:solidFill>
+                <a:effectLst>
+                  <a:glow rad="127000">
+                    <a:schemeClr val="bg1"/>
+                  </a:glow>
+                </a:effectLst>
+                <a:latin typeface="VNI-Times" pitchFamily="2" charset="0"/>
+              </a:rPr>
+              <a:t>thöông</a:t>
+            </a:r>
+            <a:r>
+              <a:rPr lang="en-US" sz="6600" b="1" dirty="0">
+                <a:solidFill>
+                  <a:sysClr val="windowText" lastClr="000000"/>
+                </a:solidFill>
+                <a:effectLst>
+                  <a:glow rad="127000">
+                    <a:schemeClr val="bg1"/>
+                  </a:glow>
+                </a:effectLst>
+                <a:latin typeface="VNI-Times" pitchFamily="2" charset="0"/>
+              </a:rPr>
+              <a:t> </a:t>
+            </a:r>
+            <a:r>
+              <a:rPr lang="en-US" sz="6600" b="1" dirty="0" err="1">
+                <a:solidFill>
+                  <a:sysClr val="windowText" lastClr="000000"/>
+                </a:solidFill>
+                <a:effectLst>
+                  <a:glow rad="127000">
+                    <a:schemeClr val="bg1"/>
+                  </a:glow>
+                </a:effectLst>
+                <a:latin typeface="VNI-Times" pitchFamily="2" charset="0"/>
+              </a:rPr>
+              <a:t>ñaày</a:t>
+            </a:r>
+            <a:r>
+              <a:rPr lang="en-US" sz="6600" b="1" dirty="0">
+                <a:solidFill>
+                  <a:sysClr val="windowText" lastClr="000000"/>
+                </a:solidFill>
+                <a:effectLst>
+                  <a:glow rad="127000">
+                    <a:schemeClr val="bg1"/>
+                  </a:glow>
+                </a:effectLst>
+                <a:latin typeface="VNI-Times" pitchFamily="2" charset="0"/>
+              </a:rPr>
+              <a:t>. </a:t>
+            </a:r>
+            <a:endParaRPr lang="en-US" sz="6600" b="1" dirty="0">
               <a:solidFill>
                 <a:prstClr val="black"/>
               </a:solidFill>
@@ -3574,7 +5794,7 @@
                   <a:prstClr val="white"/>
                 </a:glow>
               </a:effectLst>
-              <a:latin typeface="VNI-Aptima" pitchFamily="2" charset="0"/>
+              <a:latin typeface="VNI-Times" pitchFamily="2" charset="0"/>
             </a:endParaRPr>
           </a:p>
         </p:txBody>
@@ -3589,25 +5809,18 @@
   <p:clrMapOvr>
     <a:masterClrMapping/>
   </p:clrMapOvr>
-  <mc:AlternateContent xmlns:mc="http://schemas.openxmlformats.org/markup-compatibility/2006">
-    <mc:Choice xmlns:p14="http://schemas.microsoft.com/office/powerpoint/2010/main" Requires="p14">
+  <mc:AlternateContent xmlns:mc="http://schemas.openxmlformats.org/markup-compatibility/2006" xmlns:p14="http://schemas.microsoft.com/office/powerpoint/2010/main">
+    <mc:Choice Requires="p14">
       <p:transition spd="med" p14:dur="700">
         <p:fade/>
       </p:transition>
     </mc:Choice>
-    <mc:Fallback>
+    <mc:Fallback xmlns="">
       <p:transition spd="med">
         <p:fade/>
       </p:transition>
     </mc:Fallback>
   </mc:AlternateContent>
-  <p:timing>
-    <p:tnLst>
-      <p:par>
-        <p:cTn id="1" dur="indefinite" restart="never" nodeType="tmRoot"/>
-      </p:par>
-    </p:tnLst>
-  </p:timing>
 </p:sld>
 </file>
 
@@ -3666,18 +5879,466 @@
           <a:p>
             <a:pPr algn="ctr"/>
             <a:r>
-              <a:rPr lang="en-US" sz="6600" b="1" smtClean="0">
-                <a:solidFill>
-                  <a:sysClr val="windowText" lastClr="000000"/>
-                </a:solidFill>
-                <a:effectLst>
-                  <a:glow rad="127000">
-                    <a:prstClr val="white"/>
-                  </a:glow>
-                </a:effectLst>
-                <a:latin typeface="VNI-Aptima" pitchFamily="2" charset="0"/>
-              </a:rPr>
-              <a:t>Dung quang Chuùa chieáu ra aân ñieån thieân ñaøng, nhö tia thaùi döông khi töng saùng huy hoaøng. </a:t>
+              <a:rPr lang="en-US" sz="6600" b="1" dirty="0">
+                <a:solidFill>
+                  <a:sysClr val="windowText" lastClr="000000"/>
+                </a:solidFill>
+                <a:effectLst>
+                  <a:glow rad="127000">
+                    <a:prstClr val="white"/>
+                  </a:glow>
+                </a:effectLst>
+                <a:latin typeface="VNI-Times" pitchFamily="2" charset="0"/>
+              </a:rPr>
+              <a:t>Dung </a:t>
+            </a:r>
+            <a:r>
+              <a:rPr lang="en-US" sz="6600" b="1" dirty="0" err="1">
+                <a:solidFill>
+                  <a:sysClr val="windowText" lastClr="000000"/>
+                </a:solidFill>
+                <a:effectLst>
+                  <a:glow rad="127000">
+                    <a:prstClr val="white"/>
+                  </a:glow>
+                </a:effectLst>
+                <a:latin typeface="VNI-Times" pitchFamily="2" charset="0"/>
+              </a:rPr>
+              <a:t>quang</a:t>
+            </a:r>
+            <a:r>
+              <a:rPr lang="en-US" sz="6600" b="1" dirty="0">
+                <a:solidFill>
+                  <a:sysClr val="windowText" lastClr="000000"/>
+                </a:solidFill>
+                <a:effectLst>
+                  <a:glow rad="127000">
+                    <a:prstClr val="white"/>
+                  </a:glow>
+                </a:effectLst>
+                <a:latin typeface="VNI-Times" pitchFamily="2" charset="0"/>
+              </a:rPr>
+              <a:t> </a:t>
+            </a:r>
+            <a:r>
+              <a:rPr lang="en-US" sz="6600" b="1" dirty="0" err="1">
+                <a:solidFill>
+                  <a:sysClr val="windowText" lastClr="000000"/>
+                </a:solidFill>
+                <a:effectLst>
+                  <a:glow rad="127000">
+                    <a:prstClr val="white"/>
+                  </a:glow>
+                </a:effectLst>
+                <a:latin typeface="VNI-Times" pitchFamily="2" charset="0"/>
+              </a:rPr>
+              <a:t>Chuùa</a:t>
+            </a:r>
+            <a:r>
+              <a:rPr lang="en-US" sz="6600" b="1" dirty="0">
+                <a:solidFill>
+                  <a:sysClr val="windowText" lastClr="000000"/>
+                </a:solidFill>
+                <a:effectLst>
+                  <a:glow rad="127000">
+                    <a:prstClr val="white"/>
+                  </a:glow>
+                </a:effectLst>
+                <a:latin typeface="VNI-Times" pitchFamily="2" charset="0"/>
+              </a:rPr>
+              <a:t> </a:t>
+            </a:r>
+            <a:r>
+              <a:rPr lang="en-US" sz="6600" b="1" dirty="0" err="1">
+                <a:solidFill>
+                  <a:sysClr val="windowText" lastClr="000000"/>
+                </a:solidFill>
+                <a:effectLst>
+                  <a:glow rad="127000">
+                    <a:prstClr val="white"/>
+                  </a:glow>
+                </a:effectLst>
+                <a:latin typeface="VNI-Times" pitchFamily="2" charset="0"/>
+              </a:rPr>
+              <a:t>chieáu</a:t>
+            </a:r>
+            <a:r>
+              <a:rPr lang="en-US" sz="6600" b="1" dirty="0">
+                <a:solidFill>
+                  <a:sysClr val="windowText" lastClr="000000"/>
+                </a:solidFill>
+                <a:effectLst>
+                  <a:glow rad="127000">
+                    <a:prstClr val="white"/>
+                  </a:glow>
+                </a:effectLst>
+                <a:latin typeface="VNI-Times" pitchFamily="2" charset="0"/>
+              </a:rPr>
+              <a:t> ra </a:t>
+            </a:r>
+            <a:r>
+              <a:rPr lang="en-US" sz="6600" b="1" dirty="0" err="1">
+                <a:solidFill>
+                  <a:sysClr val="windowText" lastClr="000000"/>
+                </a:solidFill>
+                <a:effectLst>
+                  <a:glow rad="127000">
+                    <a:prstClr val="white"/>
+                  </a:glow>
+                </a:effectLst>
+                <a:latin typeface="VNI-Times" pitchFamily="2" charset="0"/>
+              </a:rPr>
+              <a:t>aân</a:t>
+            </a:r>
+            <a:r>
+              <a:rPr lang="en-US" sz="6600" b="1" dirty="0">
+                <a:solidFill>
+                  <a:sysClr val="windowText" lastClr="000000"/>
+                </a:solidFill>
+                <a:effectLst>
+                  <a:glow rad="127000">
+                    <a:prstClr val="white"/>
+                  </a:glow>
+                </a:effectLst>
+                <a:latin typeface="VNI-Times" pitchFamily="2" charset="0"/>
+              </a:rPr>
+              <a:t> </a:t>
+            </a:r>
+            <a:r>
+              <a:rPr lang="en-US" sz="6600" b="1" dirty="0" err="1">
+                <a:solidFill>
+                  <a:sysClr val="windowText" lastClr="000000"/>
+                </a:solidFill>
+                <a:effectLst>
+                  <a:glow rad="127000">
+                    <a:prstClr val="white"/>
+                  </a:glow>
+                </a:effectLst>
+                <a:latin typeface="VNI-Times" pitchFamily="2" charset="0"/>
+              </a:rPr>
+              <a:t>ñieån</a:t>
+            </a:r>
+            <a:r>
+              <a:rPr lang="en-US" sz="6600" b="1" dirty="0">
+                <a:solidFill>
+                  <a:sysClr val="windowText" lastClr="000000"/>
+                </a:solidFill>
+                <a:effectLst>
+                  <a:glow rad="127000">
+                    <a:prstClr val="white"/>
+                  </a:glow>
+                </a:effectLst>
+                <a:latin typeface="VNI-Times" pitchFamily="2" charset="0"/>
+              </a:rPr>
+              <a:t> </a:t>
+            </a:r>
+            <a:r>
+              <a:rPr lang="en-US" sz="6600" b="1" dirty="0" err="1">
+                <a:solidFill>
+                  <a:sysClr val="windowText" lastClr="000000"/>
+                </a:solidFill>
+                <a:effectLst>
+                  <a:glow rad="127000">
+                    <a:prstClr val="white"/>
+                  </a:glow>
+                </a:effectLst>
+                <a:latin typeface="VNI-Times" pitchFamily="2" charset="0"/>
+              </a:rPr>
+              <a:t>thieân</a:t>
+            </a:r>
+            <a:r>
+              <a:rPr lang="en-US" sz="6600" b="1" dirty="0">
+                <a:solidFill>
+                  <a:sysClr val="windowText" lastClr="000000"/>
+                </a:solidFill>
+                <a:effectLst>
+                  <a:glow rad="127000">
+                    <a:prstClr val="white"/>
+                  </a:glow>
+                </a:effectLst>
+                <a:latin typeface="VNI-Times" pitchFamily="2" charset="0"/>
+              </a:rPr>
+              <a:t> </a:t>
+            </a:r>
+            <a:r>
+              <a:rPr lang="en-US" sz="6600" b="1" dirty="0" err="1">
+                <a:solidFill>
+                  <a:sysClr val="windowText" lastClr="000000"/>
+                </a:solidFill>
+                <a:effectLst>
+                  <a:glow rad="127000">
+                    <a:prstClr val="white"/>
+                  </a:glow>
+                </a:effectLst>
+                <a:latin typeface="VNI-Times" pitchFamily="2" charset="0"/>
+              </a:rPr>
+              <a:t>ñaøng</a:t>
+            </a:r>
+            <a:r>
+              <a:rPr lang="en-US" sz="6600" b="1" dirty="0">
+                <a:solidFill>
+                  <a:sysClr val="windowText" lastClr="000000"/>
+                </a:solidFill>
+                <a:effectLst>
+                  <a:glow rad="127000">
+                    <a:prstClr val="white"/>
+                  </a:glow>
+                </a:effectLst>
+                <a:latin typeface="VNI-Times" pitchFamily="2" charset="0"/>
+              </a:rPr>
+              <a:t>, </a:t>
+            </a:r>
+            <a:r>
+              <a:rPr lang="en-US" sz="6600" b="1" dirty="0" err="1">
+                <a:solidFill>
+                  <a:sysClr val="windowText" lastClr="000000"/>
+                </a:solidFill>
+                <a:effectLst>
+                  <a:glow rad="127000">
+                    <a:prstClr val="white"/>
+                  </a:glow>
+                </a:effectLst>
+                <a:latin typeface="VNI-Times" pitchFamily="2" charset="0"/>
+              </a:rPr>
+              <a:t>nhö</a:t>
+            </a:r>
+            <a:r>
+              <a:rPr lang="en-US" sz="6600" b="1" dirty="0">
+                <a:solidFill>
+                  <a:sysClr val="windowText" lastClr="000000"/>
+                </a:solidFill>
+                <a:effectLst>
+                  <a:glow rad="127000">
+                    <a:prstClr val="white"/>
+                  </a:glow>
+                </a:effectLst>
+                <a:latin typeface="VNI-Times" pitchFamily="2" charset="0"/>
+              </a:rPr>
+              <a:t> </a:t>
+            </a:r>
+            <a:r>
+              <a:rPr lang="en-US" sz="6600" b="1" dirty="0" err="1">
+                <a:solidFill>
+                  <a:sysClr val="windowText" lastClr="000000"/>
+                </a:solidFill>
+                <a:effectLst>
+                  <a:glow rad="127000">
+                    <a:prstClr val="white"/>
+                  </a:glow>
+                </a:effectLst>
+                <a:latin typeface="VNI-Times" pitchFamily="2" charset="0"/>
+              </a:rPr>
+              <a:t>tia</a:t>
+            </a:r>
+            <a:r>
+              <a:rPr lang="en-US" sz="6600" b="1" dirty="0">
+                <a:solidFill>
+                  <a:sysClr val="windowText" lastClr="000000"/>
+                </a:solidFill>
+                <a:effectLst>
+                  <a:glow rad="127000">
+                    <a:prstClr val="white"/>
+                  </a:glow>
+                </a:effectLst>
+                <a:latin typeface="VNI-Times" pitchFamily="2" charset="0"/>
+              </a:rPr>
+              <a:t> </a:t>
+            </a:r>
+            <a:r>
+              <a:rPr lang="en-US" sz="6600" b="1" dirty="0" err="1">
+                <a:solidFill>
+                  <a:sysClr val="windowText" lastClr="000000"/>
+                </a:solidFill>
+                <a:effectLst>
+                  <a:glow rad="127000">
+                    <a:prstClr val="white"/>
+                  </a:glow>
+                </a:effectLst>
+                <a:latin typeface="VNI-Times" pitchFamily="2" charset="0"/>
+              </a:rPr>
+              <a:t>thaùi</a:t>
+            </a:r>
+            <a:r>
+              <a:rPr lang="en-US" sz="6600" b="1" dirty="0">
+                <a:solidFill>
+                  <a:sysClr val="windowText" lastClr="000000"/>
+                </a:solidFill>
+                <a:effectLst>
+                  <a:glow rad="127000">
+                    <a:prstClr val="white"/>
+                  </a:glow>
+                </a:effectLst>
+                <a:latin typeface="VNI-Times" pitchFamily="2" charset="0"/>
+              </a:rPr>
+              <a:t> </a:t>
+            </a:r>
+            <a:r>
+              <a:rPr lang="en-US" sz="6600" b="1" dirty="0" err="1">
+                <a:solidFill>
+                  <a:sysClr val="windowText" lastClr="000000"/>
+                </a:solidFill>
+                <a:effectLst>
+                  <a:glow rad="127000">
+                    <a:prstClr val="white"/>
+                  </a:glow>
+                </a:effectLst>
+                <a:latin typeface="VNI-Times" pitchFamily="2" charset="0"/>
+              </a:rPr>
+              <a:t>döông</a:t>
+            </a:r>
+            <a:r>
+              <a:rPr lang="en-US" sz="6600" b="1" dirty="0">
+                <a:solidFill>
+                  <a:sysClr val="windowText" lastClr="000000"/>
+                </a:solidFill>
+                <a:effectLst>
+                  <a:glow rad="127000">
+                    <a:prstClr val="white"/>
+                  </a:glow>
+                </a:effectLst>
+                <a:latin typeface="VNI-Times" pitchFamily="2" charset="0"/>
+              </a:rPr>
+              <a:t> </a:t>
+            </a:r>
+            <a:r>
+              <a:rPr lang="en-US" sz="6600" b="1" dirty="0" err="1">
+                <a:solidFill>
+                  <a:sysClr val="windowText" lastClr="000000"/>
+                </a:solidFill>
+                <a:effectLst>
+                  <a:glow rad="127000">
+                    <a:prstClr val="white"/>
+                  </a:glow>
+                </a:effectLst>
+                <a:latin typeface="VNI-Times" pitchFamily="2" charset="0"/>
+              </a:rPr>
+              <a:t>khi</a:t>
+            </a:r>
+            <a:r>
+              <a:rPr lang="en-US" sz="6600" b="1" dirty="0">
+                <a:solidFill>
+                  <a:sysClr val="windowText" lastClr="000000"/>
+                </a:solidFill>
+                <a:effectLst>
+                  <a:glow rad="127000">
+                    <a:prstClr val="white"/>
+                  </a:glow>
+                </a:effectLst>
+                <a:latin typeface="VNI-Times" pitchFamily="2" charset="0"/>
+              </a:rPr>
+              <a:t> </a:t>
+            </a:r>
+            <a:r>
+              <a:rPr lang="en-US" sz="6600" b="1" dirty="0" err="1">
+                <a:solidFill>
+                  <a:sysClr val="windowText" lastClr="000000"/>
+                </a:solidFill>
+                <a:effectLst>
+                  <a:glow rad="127000">
+                    <a:prstClr val="white"/>
+                  </a:glow>
+                </a:effectLst>
+                <a:latin typeface="VNI-Times" pitchFamily="2" charset="0"/>
+              </a:rPr>
+              <a:t>töng</a:t>
+            </a:r>
+            <a:r>
+              <a:rPr lang="en-US" sz="6600" b="1" dirty="0">
+                <a:solidFill>
+                  <a:sysClr val="windowText" lastClr="000000"/>
+                </a:solidFill>
+                <a:effectLst>
+                  <a:glow rad="127000">
+                    <a:prstClr val="white"/>
+                  </a:glow>
+                </a:effectLst>
+                <a:latin typeface="VNI-Times" pitchFamily="2" charset="0"/>
+              </a:rPr>
+              <a:t> </a:t>
+            </a:r>
+            <a:r>
+              <a:rPr lang="en-US" sz="6600" b="1" dirty="0" err="1">
+                <a:solidFill>
+                  <a:sysClr val="windowText" lastClr="000000"/>
+                </a:solidFill>
+                <a:effectLst>
+                  <a:glow rad="127000">
+                    <a:prstClr val="white"/>
+                  </a:glow>
+                </a:effectLst>
+                <a:latin typeface="VNI-Times" pitchFamily="2" charset="0"/>
+              </a:rPr>
+              <a:t>saùng</a:t>
+            </a:r>
+            <a:r>
+              <a:rPr lang="en-US" sz="6600" b="1" dirty="0">
+                <a:solidFill>
+                  <a:sysClr val="windowText" lastClr="000000"/>
+                </a:solidFill>
+                <a:effectLst>
+                  <a:glow rad="127000">
+                    <a:prstClr val="white"/>
+                  </a:glow>
+                </a:effectLst>
+                <a:latin typeface="VNI-Times" pitchFamily="2" charset="0"/>
+              </a:rPr>
+              <a:t> </a:t>
+            </a:r>
+            <a:r>
+              <a:rPr lang="en-US" sz="6600" b="1" dirty="0" err="1">
+                <a:solidFill>
+                  <a:sysClr val="windowText" lastClr="000000"/>
+                </a:solidFill>
+                <a:effectLst>
+                  <a:glow rad="127000">
+                    <a:prstClr val="white"/>
+                  </a:glow>
+                </a:effectLst>
+                <a:latin typeface="VNI-Times" pitchFamily="2" charset="0"/>
+              </a:rPr>
+              <a:t>huy</a:t>
+            </a:r>
+            <a:r>
+              <a:rPr lang="en-US" sz="6600" b="1" dirty="0">
+                <a:solidFill>
+                  <a:sysClr val="windowText" lastClr="000000"/>
+                </a:solidFill>
+                <a:effectLst>
+                  <a:glow rad="127000">
+                    <a:prstClr val="white"/>
+                  </a:glow>
+                </a:effectLst>
+                <a:latin typeface="VNI-Times" pitchFamily="2" charset="0"/>
+              </a:rPr>
+              <a:t> </a:t>
+            </a:r>
+            <a:r>
+              <a:rPr lang="en-US" sz="6600" b="1" dirty="0" err="1">
+                <a:solidFill>
+                  <a:sysClr val="windowText" lastClr="000000"/>
+                </a:solidFill>
+                <a:effectLst>
+                  <a:glow rad="127000">
+                    <a:prstClr val="white"/>
+                  </a:glow>
+                </a:effectLst>
+                <a:latin typeface="VNI-Times" pitchFamily="2" charset="0"/>
+              </a:rPr>
+              <a:t>hoaøng</a:t>
+            </a:r>
+            <a:r>
+              <a:rPr lang="en-US" sz="6600" b="1" dirty="0">
+                <a:solidFill>
+                  <a:sysClr val="windowText" lastClr="000000"/>
+                </a:solidFill>
+                <a:effectLst>
+                  <a:glow rad="127000">
+                    <a:prstClr val="white"/>
+                  </a:glow>
+                </a:effectLst>
+                <a:latin typeface="VNI-Times" pitchFamily="2" charset="0"/>
+              </a:rPr>
+              <a:t>. </a:t>
             </a:r>
           </a:p>
         </p:txBody>
@@ -3706,7 +6367,7 @@
           <a:p>
             <a:pPr algn="ctr"/>
             <a:r>
-              <a:rPr lang="en-US" sz="3400" smtClean="0">
+              <a:rPr lang="en-US" sz="3400" b="1" dirty="0">
                 <a:solidFill>
                   <a:srgbClr val="C00000"/>
                 </a:solidFill>
@@ -3715,7 +6376,7 @@
                     <a:prstClr val="white"/>
                   </a:glow>
                 </a:effectLst>
-                <a:latin typeface="HP-Kabel" pitchFamily="34" charset="0"/>
+                <a:latin typeface="VNI-Times" pitchFamily="2" charset="0"/>
               </a:rPr>
               <a:t>THAÙNH CA 59 – ÑEÂM YEÂN LAËNG</a:t>
             </a:r>
@@ -3732,21 +6393,6 @@
   <p:clrMapOvr>
     <a:overrideClrMapping bg1="lt1" tx1="dk1" bg2="lt2" tx2="dk2" accent1="accent1" accent2="accent2" accent3="accent3" accent4="accent4" accent5="accent5" accent6="accent6" hlink="hlink" folHlink="folHlink"/>
   </p:clrMapOvr>
-  <mc:AlternateContent xmlns:mc="http://schemas.openxmlformats.org/markup-compatibility/2006" xmlns:p14="http://schemas.microsoft.com/office/powerpoint/2010/main">
-    <mc:Choice Requires="p14">
-      <p:transition p14:dur="0"/>
-    </mc:Choice>
-    <mc:Fallback xmlns="">
-      <p:transition/>
-    </mc:Fallback>
-  </mc:AlternateContent>
-  <p:timing>
-    <p:tnLst>
-      <p:par>
-        <p:cTn id="1" dur="indefinite" restart="never" nodeType="tmRoot"/>
-      </p:par>
-    </p:tnLst>
-  </p:timing>
 </p:sld>
 </file>
 

--- a/TC/059 - Đêm Yên Lặng.pptx
+++ b/TC/059 - Đêm Yên Lặng.pptx
@@ -260,7 +260,7 @@
                 </a:solidFill>
               </a:rPr>
               <a:pPr/>
-              <a:t>12/21/19</a:t>
+              <a:t>Sun, 12/20/2020</a:t>
             </a:fld>
             <a:endParaRPr lang="en-US">
               <a:solidFill>
@@ -484,7 +484,7 @@
                 </a:solidFill>
               </a:rPr>
               <a:pPr/>
-              <a:t>12/21/19</a:t>
+              <a:t>Sun, 12/20/2020</a:t>
             </a:fld>
             <a:endParaRPr lang="en-US">
               <a:solidFill>
@@ -738,7 +738,7 @@
                 </a:solidFill>
               </a:rPr>
               <a:pPr/>
-              <a:t>12/21/19</a:t>
+              <a:t>Sun, 12/20/2020</a:t>
             </a:fld>
             <a:endParaRPr lang="en-US">
               <a:solidFill>
@@ -1309,7 +1309,7 @@
                 </a:solidFill>
               </a:rPr>
               <a:pPr/>
-              <a:t>12/21/19</a:t>
+              <a:t>Sun, 12/20/2020</a:t>
             </a:fld>
             <a:endParaRPr lang="en-US">
               <a:solidFill>
@@ -1753,7 +1753,7 @@
           <a:p>
             <a:pPr algn="ctr"/>
             <a:r>
-              <a:rPr lang="en-US" sz="3500" dirty="0">
+              <a:rPr lang="en-US" sz="3500" b="1" dirty="0">
                 <a:solidFill>
                   <a:prstClr val="black"/>
                 </a:solidFill>
@@ -1762,7 +1762,7 @@
                     <a:prstClr val="white"/>
                   </a:glow>
                 </a:effectLst>
-                <a:latin typeface="VNI-Times Normal" pitchFamily="2" charset="0"/>
+                <a:latin typeface="VNI-Times" pitchFamily="2" charset="0"/>
               </a:rPr>
               <a:t>TOÂN VINH CHUÙA  - THAÙNH CA 59</a:t>
             </a:r>
